--- a/bishops/cs321/resources/CS321_Lecture_05.pptx
+++ b/bishops/cs321/resources/CS321_Lecture_05.pptx
@@ -133,7 +133,7 @@
   </p:defaultTextStyle>
   <p:extLst>
     <p:ext uri="{EFAFB233-063F-42B5-8137-9DF3F51BA10A}">
-      <p15:sldGuideLst xmlns:p15="http://schemas.microsoft.com/office/powerpoint/2012/main"/>
+      <p15:sldGuideLst xmlns:p15="http://schemas.microsoft.com/office/powerpoint/2012/main" xmlns=""/>
     </p:ext>
   </p:extLst>
 </p:presentation>
@@ -144,7 +144,7 @@
   <p:cmAuthor id="1" name="Gregory" initials="G" lastIdx="1" clrIdx="0">
     <p:extLst>
       <p:ext uri="{19B8F6BF-5375-455C-9EA6-DF929625EA0E}">
-        <p15:presenceInfo xmlns:p15="http://schemas.microsoft.com/office/powerpoint/2012/main" userId="Gregory" providerId="None"/>
+        <p15:presenceInfo xmlns:p15="http://schemas.microsoft.com/office/powerpoint/2012/main" xmlns="" userId="Gregory" providerId="None"/>
       </p:ext>
     </p:extLst>
   </p:cmAuthor>
@@ -233,7 +233,8 @@
           <a:p>
             <a:fld id="{A6583E9D-07AB-4C6D-BFD0-47E805C6B3D4}" type="datetimeFigureOut">
               <a:rPr lang="en-CA" smtClean="0"/>
-              <a:t>2022-01-27</a:t>
+              <a:pPr/>
+              <a:t>2025-01-05</a:t>
             </a:fld>
             <a:endParaRPr lang="en-CA"/>
           </a:p>
@@ -392,6 +393,7 @@
           <a:p>
             <a:fld id="{8F20841C-25C9-4C0C-A7FA-C4A363D14F5A}" type="slidenum">
               <a:rPr lang="en-CA" smtClean="0"/>
+              <a:pPr/>
               <a:t>‹#›</a:t>
             </a:fld>
             <a:endParaRPr lang="en-CA"/>
@@ -401,7 +403,7 @@
     </p:spTree>
     <p:extLst>
       <p:ext uri="{BB962C8B-B14F-4D97-AF65-F5344CB8AC3E}">
-        <p14:creationId xmlns:p14="http://schemas.microsoft.com/office/powerpoint/2010/main" val="4237529172"/>
+        <p14:creationId xmlns:p14="http://schemas.microsoft.com/office/powerpoint/2010/main" xmlns="" val="4237529172"/>
       </p:ext>
     </p:extLst>
   </p:cSld>
@@ -545,14 +547,6 @@
           <a:bodyPr/>
           <a:lstStyle/>
           <a:p>
-            <a:r>
-              <a:rPr lang="en-CA" dirty="0"/>
-              <a:t>Multi-instrument</a:t>
-            </a:r>
-            <a:r>
-              <a:rPr lang="en-CA" baseline="0" dirty="0"/>
-              <a:t> / Multi-instrument Inter-process (minus the)-with Eye Trackers-</a:t>
-            </a:r>
             <a:endParaRPr lang="en-CA" dirty="0"/>
           </a:p>
         </p:txBody>
@@ -574,6 +568,7 @@
           <a:p>
             <a:fld id="{8F20841C-25C9-4C0C-A7FA-C4A363D14F5A}" type="slidenum">
               <a:rPr lang="en-CA" smtClean="0"/>
+              <a:pPr/>
               <a:t>1</a:t>
             </a:fld>
             <a:endParaRPr lang="en-CA"/>
@@ -583,7 +578,7 @@
     </p:spTree>
     <p:extLst>
       <p:ext uri="{BB962C8B-B14F-4D97-AF65-F5344CB8AC3E}">
-        <p14:creationId xmlns:p14="http://schemas.microsoft.com/office/powerpoint/2010/main" val="2340334442"/>
+        <p14:creationId xmlns:p14="http://schemas.microsoft.com/office/powerpoint/2010/main" xmlns="" val="2340334442"/>
       </p:ext>
     </p:extLst>
   </p:cSld>
@@ -777,6 +772,7 @@
           <a:p>
             <a:fld id="{5174927E-2439-42C0-9720-7BBCA09BF46F}" type="slidenum">
               <a:rPr lang="en-CA" smtClean="0"/>
+              <a:pPr/>
               <a:t>‹#›</a:t>
             </a:fld>
             <a:endParaRPr lang="en-CA"/>
@@ -786,7 +782,7 @@
     </p:spTree>
     <p:extLst>
       <p:ext uri="{BB962C8B-B14F-4D97-AF65-F5344CB8AC3E}">
-        <p14:creationId xmlns:p14="http://schemas.microsoft.com/office/powerpoint/2010/main" val="1900560834"/>
+        <p14:creationId xmlns:p14="http://schemas.microsoft.com/office/powerpoint/2010/main" xmlns="" val="1900560834"/>
       </p:ext>
     </p:extLst>
   </p:cSld>
@@ -950,6 +946,7 @@
           <a:p>
             <a:fld id="{5174927E-2439-42C0-9720-7BBCA09BF46F}" type="slidenum">
               <a:rPr lang="en-CA" smtClean="0"/>
+              <a:pPr/>
               <a:t>‹#›</a:t>
             </a:fld>
             <a:endParaRPr lang="en-CA"/>
@@ -959,7 +956,7 @@
     </p:spTree>
     <p:extLst>
       <p:ext uri="{BB962C8B-B14F-4D97-AF65-F5344CB8AC3E}">
-        <p14:creationId xmlns:p14="http://schemas.microsoft.com/office/powerpoint/2010/main" val="3722958745"/>
+        <p14:creationId xmlns:p14="http://schemas.microsoft.com/office/powerpoint/2010/main" xmlns="" val="3722958745"/>
       </p:ext>
     </p:extLst>
   </p:cSld>
@@ -1195,7 +1192,7 @@
     </p:spTree>
     <p:extLst>
       <p:ext uri="{BB962C8B-B14F-4D97-AF65-F5344CB8AC3E}">
-        <p14:creationId xmlns:p14="http://schemas.microsoft.com/office/powerpoint/2010/main" val="1822376042"/>
+        <p14:creationId xmlns:p14="http://schemas.microsoft.com/office/powerpoint/2010/main" xmlns="" val="1822376042"/>
       </p:ext>
     </p:extLst>
   </p:cSld>
@@ -1435,6 +1432,7 @@
           <a:p>
             <a:fld id="{5174927E-2439-42C0-9720-7BBCA09BF46F}" type="slidenum">
               <a:rPr lang="en-CA" smtClean="0"/>
+              <a:pPr/>
               <a:t>‹#›</a:t>
             </a:fld>
             <a:endParaRPr lang="en-CA"/>
@@ -1444,7 +1442,7 @@
     </p:spTree>
     <p:extLst>
       <p:ext uri="{BB962C8B-B14F-4D97-AF65-F5344CB8AC3E}">
-        <p14:creationId xmlns:p14="http://schemas.microsoft.com/office/powerpoint/2010/main" val="3411672561"/>
+        <p14:creationId xmlns:p14="http://schemas.microsoft.com/office/powerpoint/2010/main" xmlns="" val="3411672561"/>
       </p:ext>
     </p:extLst>
   </p:cSld>
@@ -1670,6 +1668,7 @@
           <a:p>
             <a:fld id="{5174927E-2439-42C0-9720-7BBCA09BF46F}" type="slidenum">
               <a:rPr lang="en-CA" smtClean="0"/>
+              <a:pPr/>
               <a:t>‹#›</a:t>
             </a:fld>
             <a:endParaRPr lang="en-CA"/>
@@ -1679,7 +1678,7 @@
     </p:spTree>
     <p:extLst>
       <p:ext uri="{BB962C8B-B14F-4D97-AF65-F5344CB8AC3E}">
-        <p14:creationId xmlns:p14="http://schemas.microsoft.com/office/powerpoint/2010/main" val="1093008526"/>
+        <p14:creationId xmlns:p14="http://schemas.microsoft.com/office/powerpoint/2010/main" xmlns="" val="1093008526"/>
       </p:ext>
     </p:extLst>
   </p:cSld>
@@ -2040,6 +2039,7 @@
           <a:p>
             <a:fld id="{5174927E-2439-42C0-9720-7BBCA09BF46F}" type="slidenum">
               <a:rPr lang="en-CA" smtClean="0"/>
+              <a:pPr/>
               <a:t>‹#›</a:t>
             </a:fld>
             <a:endParaRPr lang="en-CA"/>
@@ -2049,7 +2049,7 @@
     </p:spTree>
     <p:extLst>
       <p:ext uri="{BB962C8B-B14F-4D97-AF65-F5344CB8AC3E}">
-        <p14:creationId xmlns:p14="http://schemas.microsoft.com/office/powerpoint/2010/main" val="1087924878"/>
+        <p14:creationId xmlns:p14="http://schemas.microsoft.com/office/powerpoint/2010/main" xmlns="" val="1087924878"/>
       </p:ext>
     </p:extLst>
   </p:cSld>
@@ -2161,6 +2161,7 @@
           <a:p>
             <a:fld id="{5174927E-2439-42C0-9720-7BBCA09BF46F}" type="slidenum">
               <a:rPr lang="en-CA" smtClean="0"/>
+              <a:pPr/>
               <a:t>‹#›</a:t>
             </a:fld>
             <a:endParaRPr lang="en-CA"/>
@@ -2170,7 +2171,7 @@
     </p:spTree>
     <p:extLst>
       <p:ext uri="{BB962C8B-B14F-4D97-AF65-F5344CB8AC3E}">
-        <p14:creationId xmlns:p14="http://schemas.microsoft.com/office/powerpoint/2010/main" val="3802387408"/>
+        <p14:creationId xmlns:p14="http://schemas.microsoft.com/office/powerpoint/2010/main" xmlns="" val="3802387408"/>
       </p:ext>
     </p:extLst>
   </p:cSld>
@@ -2259,6 +2260,7 @@
           <a:p>
             <a:fld id="{5174927E-2439-42C0-9720-7BBCA09BF46F}" type="slidenum">
               <a:rPr lang="en-CA" smtClean="0"/>
+              <a:pPr/>
               <a:t>‹#›</a:t>
             </a:fld>
             <a:endParaRPr lang="en-CA"/>
@@ -2268,7 +2270,7 @@
     </p:spTree>
     <p:extLst>
       <p:ext uri="{BB962C8B-B14F-4D97-AF65-F5344CB8AC3E}">
-        <p14:creationId xmlns:p14="http://schemas.microsoft.com/office/powerpoint/2010/main" val="4234091411"/>
+        <p14:creationId xmlns:p14="http://schemas.microsoft.com/office/powerpoint/2010/main" xmlns="" val="4234091411"/>
       </p:ext>
     </p:extLst>
   </p:cSld>
@@ -2539,6 +2541,7 @@
           <a:p>
             <a:fld id="{5174927E-2439-42C0-9720-7BBCA09BF46F}" type="slidenum">
               <a:rPr lang="en-CA" smtClean="0"/>
+              <a:pPr/>
               <a:t>‹#›</a:t>
             </a:fld>
             <a:endParaRPr lang="en-CA"/>
@@ -2548,7 +2551,7 @@
     </p:spTree>
     <p:extLst>
       <p:ext uri="{BB962C8B-B14F-4D97-AF65-F5344CB8AC3E}">
-        <p14:creationId xmlns:p14="http://schemas.microsoft.com/office/powerpoint/2010/main" val="4189422420"/>
+        <p14:creationId xmlns:p14="http://schemas.microsoft.com/office/powerpoint/2010/main" xmlns="" val="4189422420"/>
       </p:ext>
     </p:extLst>
   </p:cSld>
@@ -2795,6 +2798,7 @@
           <a:p>
             <a:fld id="{5174927E-2439-42C0-9720-7BBCA09BF46F}" type="slidenum">
               <a:rPr lang="en-CA" smtClean="0"/>
+              <a:pPr/>
               <a:t>‹#›</a:t>
             </a:fld>
             <a:endParaRPr lang="en-CA"/>
@@ -2804,7 +2808,7 @@
     </p:spTree>
     <p:extLst>
       <p:ext uri="{BB962C8B-B14F-4D97-AF65-F5344CB8AC3E}">
-        <p14:creationId xmlns:p14="http://schemas.microsoft.com/office/powerpoint/2010/main" val="3252977898"/>
+        <p14:creationId xmlns:p14="http://schemas.microsoft.com/office/powerpoint/2010/main" xmlns="" val="3252977898"/>
       </p:ext>
     </p:extLst>
   </p:cSld>
@@ -3070,10 +3074,10 @@
           <p:nvPr userDrawn="1"/>
         </p:nvPicPr>
         <p:blipFill>
-          <a:blip r:embed="rId13">
+          <a:blip r:embed="rId13" cstate="print">
             <a:extLst>
               <a:ext uri="{28A0092B-C50C-407E-A947-70E740481C1C}">
-                <a14:useLocalDpi xmlns:a14="http://schemas.microsoft.com/office/drawing/2010/main" val="0"/>
+                <a14:useLocalDpi xmlns:a14="http://schemas.microsoft.com/office/drawing/2010/main" xmlns="" val="0"/>
               </a:ext>
             </a:extLst>
           </a:blip>
@@ -3094,7 +3098,7 @@
     </p:spTree>
     <p:extLst>
       <p:ext uri="{BB962C8B-B14F-4D97-AF65-F5344CB8AC3E}">
-        <p14:creationId xmlns:p14="http://schemas.microsoft.com/office/powerpoint/2010/main" val="4230061028"/>
+        <p14:creationId xmlns:p14="http://schemas.microsoft.com/office/powerpoint/2010/main" xmlns="" val="4230061028"/>
       </p:ext>
     </p:extLst>
   </p:cSld>
@@ -3536,20 +3540,6 @@
             <a:endParaRPr lang="en-CA" baseline="30000" dirty="0"/>
           </a:p>
           <a:p>
-            <a:r>
-              <a:rPr lang="en-CA" dirty="0"/>
-              <a:t>Date: January 14</a:t>
-            </a:r>
-            <a:r>
-              <a:rPr lang="en-CA" baseline="30000" dirty="0"/>
-              <a:t>th</a:t>
-            </a:r>
-            <a:r>
-              <a:rPr lang="en-CA" dirty="0"/>
-              <a:t>, 2022</a:t>
-            </a:r>
-          </a:p>
-          <a:p>
             <a:endParaRPr lang="en-CA" dirty="0"/>
           </a:p>
         </p:txBody>
@@ -3559,7 +3549,7 @@
           <p:cNvPr id="13" name="Picture 8" descr="http://osiris.ubishops.ca/~alussier/images/transparentlogo_bu.png">
             <a:extLst>
               <a:ext uri="{FF2B5EF4-FFF2-40B4-BE49-F238E27FC236}">
-                <a16:creationId xmlns:a16="http://schemas.microsoft.com/office/drawing/2014/main" id="{CCB9A035-2F1C-4B96-A5DB-70B72D6E4AD8}"/>
+                <a16:creationId xmlns:a16="http://schemas.microsoft.com/office/drawing/2014/main" xmlns="" id="{CCB9A035-2F1C-4B96-A5DB-70B72D6E4AD8}"/>
               </a:ext>
             </a:extLst>
           </p:cNvPr>
@@ -3569,10 +3559,10 @@
           <p:nvPr/>
         </p:nvPicPr>
         <p:blipFill>
-          <a:blip r:embed="rId3">
+          <a:blip r:embed="rId3" cstate="print">
             <a:extLst>
               <a:ext uri="{28A0092B-C50C-407E-A947-70E740481C1C}">
-                <a14:useLocalDpi xmlns:a14="http://schemas.microsoft.com/office/drawing/2010/main" val="0"/>
+                <a14:useLocalDpi xmlns:a14="http://schemas.microsoft.com/office/drawing/2010/main" xmlns="" val="0"/>
               </a:ext>
             </a:extLst>
           </a:blip>
@@ -3592,7 +3582,7 @@
           <a:noFill/>
           <a:extLst>
             <a:ext uri="{909E8E84-426E-40DD-AFC4-6F175D3DCCD1}">
-              <a14:hiddenFill xmlns:a14="http://schemas.microsoft.com/office/drawing/2010/main">
+              <a14:hiddenFill xmlns:a14="http://schemas.microsoft.com/office/drawing/2010/main" xmlns="">
                 <a:solidFill>
                   <a:srgbClr val="FFFFFF"/>
                 </a:solidFill>
@@ -3604,7 +3594,7 @@
     </p:spTree>
     <p:extLst>
       <p:ext uri="{BB962C8B-B14F-4D97-AF65-F5344CB8AC3E}">
-        <p14:creationId xmlns:p14="http://schemas.microsoft.com/office/powerpoint/2010/main" val="4177077622"/>
+        <p14:creationId xmlns:p14="http://schemas.microsoft.com/office/powerpoint/2010/main" xmlns="" val="4177077622"/>
       </p:ext>
     </p:extLst>
   </p:cSld>
@@ -3656,28 +3646,6 @@
       </p:sp>
       <p:sp>
         <p:nvSpPr>
-          <p:cNvPr id="6" name="Date Placeholder 5"/>
-          <p:cNvSpPr>
-            <a:spLocks noGrp="1"/>
-          </p:cNvSpPr>
-          <p:nvPr>
-            <p:ph type="dt" sz="half" idx="2"/>
-          </p:nvPr>
-        </p:nvSpPr>
-        <p:spPr/>
-        <p:txBody>
-          <a:bodyPr/>
-          <a:lstStyle/>
-          <a:p>
-            <a:r>
-              <a:rPr lang="en-CA" dirty="0"/>
-              <a:t>Winter 2022</a:t>
-            </a:r>
-          </a:p>
-        </p:txBody>
-      </p:sp>
-      <p:sp>
-        <p:nvSpPr>
           <p:cNvPr id="10" name="Footer Placeholder 9"/>
           <p:cNvSpPr>
             <a:spLocks noGrp="1"/>
@@ -3730,7 +3698,7 @@
           <p:cNvPr id="7" name="Content Placeholder 2">
             <a:extLst>
               <a:ext uri="{FF2B5EF4-FFF2-40B4-BE49-F238E27FC236}">
-                <a16:creationId xmlns:a16="http://schemas.microsoft.com/office/drawing/2014/main" id="{8F84884F-889F-4B7B-93C4-15E73CAD6A46}"/>
+                <a16:creationId xmlns:a16="http://schemas.microsoft.com/office/drawing/2014/main" xmlns="" id="{8F84884F-889F-4B7B-93C4-15E73CAD6A46}"/>
               </a:ext>
             </a:extLst>
           </p:cNvPr>
@@ -3980,7 +3948,7 @@
     </p:spTree>
     <p:extLst>
       <p:ext uri="{BB962C8B-B14F-4D97-AF65-F5344CB8AC3E}">
-        <p14:creationId xmlns:p14="http://schemas.microsoft.com/office/powerpoint/2010/main" val="1956498733"/>
+        <p14:creationId xmlns:p14="http://schemas.microsoft.com/office/powerpoint/2010/main" xmlns="" val="1956498733"/>
       </p:ext>
     </p:extLst>
   </p:cSld>
@@ -4032,28 +4000,6 @@
       </p:sp>
       <p:sp>
         <p:nvSpPr>
-          <p:cNvPr id="6" name="Date Placeholder 5"/>
-          <p:cNvSpPr>
-            <a:spLocks noGrp="1"/>
-          </p:cNvSpPr>
-          <p:nvPr>
-            <p:ph type="dt" sz="half" idx="2"/>
-          </p:nvPr>
-        </p:nvSpPr>
-        <p:spPr/>
-        <p:txBody>
-          <a:bodyPr/>
-          <a:lstStyle/>
-          <a:p>
-            <a:r>
-              <a:rPr lang="en-CA" dirty="0"/>
-              <a:t>Winter 2022</a:t>
-            </a:r>
-          </a:p>
-        </p:txBody>
-      </p:sp>
-      <p:sp>
-        <p:nvSpPr>
           <p:cNvPr id="10" name="Footer Placeholder 9"/>
           <p:cNvSpPr>
             <a:spLocks noGrp="1"/>
@@ -4106,7 +4052,7 @@
           <p:cNvPr id="7" name="Content Placeholder 2">
             <a:extLst>
               <a:ext uri="{FF2B5EF4-FFF2-40B4-BE49-F238E27FC236}">
-                <a16:creationId xmlns:a16="http://schemas.microsoft.com/office/drawing/2014/main" id="{8F84884F-889F-4B7B-93C4-15E73CAD6A46}"/>
+                <a16:creationId xmlns:a16="http://schemas.microsoft.com/office/drawing/2014/main" xmlns="" id="{8F84884F-889F-4B7B-93C4-15E73CAD6A46}"/>
               </a:ext>
             </a:extLst>
           </p:cNvPr>
@@ -4383,7 +4329,7 @@
           <p:cNvPr id="8" name="Group 7">
             <a:extLst>
               <a:ext uri="{FF2B5EF4-FFF2-40B4-BE49-F238E27FC236}">
-                <a16:creationId xmlns:a16="http://schemas.microsoft.com/office/drawing/2014/main" id="{8E11C85D-1BB2-462D-9713-31C8C1ED7C59}"/>
+                <a16:creationId xmlns:a16="http://schemas.microsoft.com/office/drawing/2014/main" xmlns="" id="{8E11C85D-1BB2-462D-9713-31C8C1ED7C59}"/>
               </a:ext>
             </a:extLst>
           </p:cNvPr>
@@ -4405,7 +4351,7 @@
             <p:cNvPr id="9" name="AutoShape 8">
               <a:extLst>
                 <a:ext uri="{FF2B5EF4-FFF2-40B4-BE49-F238E27FC236}">
-                  <a16:creationId xmlns:a16="http://schemas.microsoft.com/office/drawing/2014/main" id="{E88EEEEF-D47E-4B2C-8887-9ACE4EE3F9D9}"/>
+                  <a16:creationId xmlns:a16="http://schemas.microsoft.com/office/drawing/2014/main" xmlns="" id="{E88EEEEF-D47E-4B2C-8887-9ACE4EE3F9D9}"/>
                 </a:ext>
               </a:extLst>
             </p:cNvPr>
@@ -4546,7 +4492,7 @@
             <p:cNvPr id="11" name="Text Box 9">
               <a:extLst>
                 <a:ext uri="{FF2B5EF4-FFF2-40B4-BE49-F238E27FC236}">
-                  <a16:creationId xmlns:a16="http://schemas.microsoft.com/office/drawing/2014/main" id="{F521DD5E-3330-4ADC-AEDD-3091BE476771}"/>
+                  <a16:creationId xmlns:a16="http://schemas.microsoft.com/office/drawing/2014/main" xmlns="" id="{F521DD5E-3330-4ADC-AEDD-3091BE476771}"/>
                 </a:ext>
               </a:extLst>
             </p:cNvPr>
@@ -4569,14 +4515,14 @@
             </a:ln>
             <a:extLst>
               <a:ext uri="{909E8E84-426E-40DD-AFC4-6F175D3DCCD1}">
-                <a14:hiddenFill xmlns:a14="http://schemas.microsoft.com/office/drawing/2010/main">
+                <a14:hiddenFill xmlns:a14="http://schemas.microsoft.com/office/drawing/2010/main" xmlns="">
                   <a:solidFill>
                     <a:srgbClr val="FFFFFF"/>
                   </a:solidFill>
                 </a14:hiddenFill>
               </a:ext>
               <a:ext uri="{91240B29-F687-4F45-9708-019B960494DF}">
-                <a14:hiddenLine xmlns:a14="http://schemas.microsoft.com/office/drawing/2010/main" w="9525">
+                <a14:hiddenLine xmlns:a14="http://schemas.microsoft.com/office/drawing/2010/main" xmlns="" w="9525">
                   <a:solidFill>
                     <a:srgbClr val="000000"/>
                   </a:solidFill>
@@ -4970,7 +4916,7 @@
           <p:cNvPr id="13" name="Picture 4" descr="Picture 14">
             <a:extLst>
               <a:ext uri="{FF2B5EF4-FFF2-40B4-BE49-F238E27FC236}">
-                <a16:creationId xmlns:a16="http://schemas.microsoft.com/office/drawing/2014/main" id="{D11813C9-2CF7-4BF8-9431-D3E6B8D90B17}"/>
+                <a16:creationId xmlns:a16="http://schemas.microsoft.com/office/drawing/2014/main" xmlns="" id="{D11813C9-2CF7-4BF8-9431-D3E6B8D90B17}"/>
               </a:ext>
             </a:extLst>
           </p:cNvPr>
@@ -4983,7 +4929,7 @@
           <a:blip r:embed="rId2">
             <a:extLst>
               <a:ext uri="{28A0092B-C50C-407E-A947-70E740481C1C}">
-                <a14:useLocalDpi xmlns:a14="http://schemas.microsoft.com/office/drawing/2010/main" val="0"/>
+                <a14:useLocalDpi xmlns:a14="http://schemas.microsoft.com/office/drawing/2010/main" xmlns="" val="0"/>
               </a:ext>
             </a:extLst>
           </a:blip>
@@ -5006,14 +4952,14 @@
           </a:ln>
           <a:extLst>
             <a:ext uri="{909E8E84-426E-40DD-AFC4-6F175D3DCCD1}">
-              <a14:hiddenFill xmlns:a14="http://schemas.microsoft.com/office/drawing/2010/main">
+              <a14:hiddenFill xmlns:a14="http://schemas.microsoft.com/office/drawing/2010/main" xmlns="">
                 <a:solidFill>
                   <a:srgbClr val="FFFFFF"/>
                 </a:solidFill>
               </a14:hiddenFill>
             </a:ext>
             <a:ext uri="{91240B29-F687-4F45-9708-019B960494DF}">
-              <a14:hiddenLine xmlns:a14="http://schemas.microsoft.com/office/drawing/2010/main" w="9525">
+              <a14:hiddenLine xmlns:a14="http://schemas.microsoft.com/office/drawing/2010/main" xmlns="" w="9525">
                 <a:solidFill>
                   <a:srgbClr val="000000"/>
                 </a:solidFill>
@@ -5028,7 +4974,7 @@
     </p:spTree>
     <p:extLst>
       <p:ext uri="{BB962C8B-B14F-4D97-AF65-F5344CB8AC3E}">
-        <p14:creationId xmlns:p14="http://schemas.microsoft.com/office/powerpoint/2010/main" val="130093224"/>
+        <p14:creationId xmlns:p14="http://schemas.microsoft.com/office/powerpoint/2010/main" xmlns="" val="130093224"/>
       </p:ext>
     </p:extLst>
   </p:cSld>
@@ -5084,28 +5030,6 @@
       </p:sp>
       <p:sp>
         <p:nvSpPr>
-          <p:cNvPr id="6" name="Date Placeholder 5"/>
-          <p:cNvSpPr>
-            <a:spLocks noGrp="1"/>
-          </p:cNvSpPr>
-          <p:nvPr>
-            <p:ph type="dt" sz="half" idx="2"/>
-          </p:nvPr>
-        </p:nvSpPr>
-        <p:spPr/>
-        <p:txBody>
-          <a:bodyPr/>
-          <a:lstStyle/>
-          <a:p>
-            <a:r>
-              <a:rPr lang="en-CA" dirty="0"/>
-              <a:t>Winter 2022</a:t>
-            </a:r>
-          </a:p>
-        </p:txBody>
-      </p:sp>
-      <p:sp>
-        <p:nvSpPr>
           <p:cNvPr id="10" name="Footer Placeholder 9"/>
           <p:cNvSpPr>
             <a:spLocks noGrp="1"/>
@@ -5158,7 +5082,7 @@
           <p:cNvPr id="7" name="Content Placeholder 2">
             <a:extLst>
               <a:ext uri="{FF2B5EF4-FFF2-40B4-BE49-F238E27FC236}">
-                <a16:creationId xmlns:a16="http://schemas.microsoft.com/office/drawing/2014/main" id="{8F84884F-889F-4B7B-93C4-15E73CAD6A46}"/>
+                <a16:creationId xmlns:a16="http://schemas.microsoft.com/office/drawing/2014/main" xmlns="" id="{8F84884F-889F-4B7B-93C4-15E73CAD6A46}"/>
               </a:ext>
             </a:extLst>
           </p:cNvPr>
@@ -5410,7 +5334,7 @@
           <p:cNvPr id="9" name="Rectangle 3">
             <a:extLst>
               <a:ext uri="{FF2B5EF4-FFF2-40B4-BE49-F238E27FC236}">
-                <a16:creationId xmlns:a16="http://schemas.microsoft.com/office/drawing/2014/main" id="{42E6BAB5-D2F2-45E9-A964-DD67AF253D12}"/>
+                <a16:creationId xmlns:a16="http://schemas.microsoft.com/office/drawing/2014/main" xmlns="" id="{42E6BAB5-D2F2-45E9-A964-DD67AF253D12}"/>
               </a:ext>
             </a:extLst>
           </p:cNvPr>
@@ -5433,14 +5357,14 @@
           </a:ln>
           <a:extLst>
             <a:ext uri="{909E8E84-426E-40DD-AFC4-6F175D3DCCD1}">
-              <a14:hiddenFill xmlns:a14="http://schemas.microsoft.com/office/drawing/2010/main">
+              <a14:hiddenFill xmlns:a14="http://schemas.microsoft.com/office/drawing/2010/main" xmlns="">
                 <a:solidFill>
                   <a:srgbClr val="FFFFFF"/>
                 </a:solidFill>
               </a14:hiddenFill>
             </a:ext>
             <a:ext uri="{91240B29-F687-4F45-9708-019B960494DF}">
-              <a14:hiddenLine xmlns:a14="http://schemas.microsoft.com/office/drawing/2010/main" w="12700">
+              <a14:hiddenLine xmlns:a14="http://schemas.microsoft.com/office/drawing/2010/main" xmlns="" w="12700">
                 <a:solidFill>
                   <a:srgbClr val="000000"/>
                 </a:solidFill>
@@ -5712,7 +5636,7 @@
           <p:cNvPr id="13" name="Group 12">
             <a:extLst>
               <a:ext uri="{FF2B5EF4-FFF2-40B4-BE49-F238E27FC236}">
-                <a16:creationId xmlns:a16="http://schemas.microsoft.com/office/drawing/2014/main" id="{6E5D413A-DC3A-4BED-BD77-75959F2897A7}"/>
+                <a16:creationId xmlns:a16="http://schemas.microsoft.com/office/drawing/2014/main" xmlns="" id="{6E5D413A-DC3A-4BED-BD77-75959F2897A7}"/>
               </a:ext>
             </a:extLst>
           </p:cNvPr>
@@ -5734,7 +5658,7 @@
             <p:cNvPr id="14" name="AutoShape 8">
               <a:extLst>
                 <a:ext uri="{FF2B5EF4-FFF2-40B4-BE49-F238E27FC236}">
-                  <a16:creationId xmlns:a16="http://schemas.microsoft.com/office/drawing/2014/main" id="{0CD20073-593E-4780-AB24-7D75F6A91101}"/>
+                  <a16:creationId xmlns:a16="http://schemas.microsoft.com/office/drawing/2014/main" xmlns="" id="{0CD20073-593E-4780-AB24-7D75F6A91101}"/>
                 </a:ext>
               </a:extLst>
             </p:cNvPr>
@@ -5875,7 +5799,7 @@
             <p:cNvPr id="15" name="Text Box 9">
               <a:extLst>
                 <a:ext uri="{FF2B5EF4-FFF2-40B4-BE49-F238E27FC236}">
-                  <a16:creationId xmlns:a16="http://schemas.microsoft.com/office/drawing/2014/main" id="{7E65EC0D-E48E-44F0-BC13-E40277DAD7E2}"/>
+                  <a16:creationId xmlns:a16="http://schemas.microsoft.com/office/drawing/2014/main" xmlns="" id="{7E65EC0D-E48E-44F0-BC13-E40277DAD7E2}"/>
                 </a:ext>
               </a:extLst>
             </p:cNvPr>
@@ -5898,14 +5822,14 @@
             </a:ln>
             <a:extLst>
               <a:ext uri="{909E8E84-426E-40DD-AFC4-6F175D3DCCD1}">
-                <a14:hiddenFill xmlns:a14="http://schemas.microsoft.com/office/drawing/2010/main">
+                <a14:hiddenFill xmlns:a14="http://schemas.microsoft.com/office/drawing/2010/main" xmlns="">
                   <a:solidFill>
                     <a:srgbClr val="FFFFFF"/>
                   </a:solidFill>
                 </a14:hiddenFill>
               </a:ext>
               <a:ext uri="{91240B29-F687-4F45-9708-019B960494DF}">
-                <a14:hiddenLine xmlns:a14="http://schemas.microsoft.com/office/drawing/2010/main" w="9525">
+                <a14:hiddenLine xmlns:a14="http://schemas.microsoft.com/office/drawing/2010/main" xmlns="" w="9525">
                   <a:solidFill>
                     <a:srgbClr val="000000"/>
                   </a:solidFill>
@@ -6265,7 +6189,7 @@
     </p:spTree>
     <p:extLst>
       <p:ext uri="{BB962C8B-B14F-4D97-AF65-F5344CB8AC3E}">
-        <p14:creationId xmlns:p14="http://schemas.microsoft.com/office/powerpoint/2010/main" val="644116928"/>
+        <p14:creationId xmlns:p14="http://schemas.microsoft.com/office/powerpoint/2010/main" xmlns="" val="644116928"/>
       </p:ext>
     </p:extLst>
   </p:cSld>
@@ -6317,28 +6241,6 @@
       </p:sp>
       <p:sp>
         <p:nvSpPr>
-          <p:cNvPr id="6" name="Date Placeholder 5"/>
-          <p:cNvSpPr>
-            <a:spLocks noGrp="1"/>
-          </p:cNvSpPr>
-          <p:nvPr>
-            <p:ph type="dt" sz="half" idx="2"/>
-          </p:nvPr>
-        </p:nvSpPr>
-        <p:spPr/>
-        <p:txBody>
-          <a:bodyPr/>
-          <a:lstStyle/>
-          <a:p>
-            <a:r>
-              <a:rPr lang="en-CA" dirty="0"/>
-              <a:t>Winter 2022</a:t>
-            </a:r>
-          </a:p>
-        </p:txBody>
-      </p:sp>
-      <p:sp>
-        <p:nvSpPr>
           <p:cNvPr id="10" name="Footer Placeholder 9"/>
           <p:cNvSpPr>
             <a:spLocks noGrp="1"/>
@@ -6391,7 +6293,7 @@
           <p:cNvPr id="7" name="Content Placeholder 2">
             <a:extLst>
               <a:ext uri="{FF2B5EF4-FFF2-40B4-BE49-F238E27FC236}">
-                <a16:creationId xmlns:a16="http://schemas.microsoft.com/office/drawing/2014/main" id="{8F84884F-889F-4B7B-93C4-15E73CAD6A46}"/>
+                <a16:creationId xmlns:a16="http://schemas.microsoft.com/office/drawing/2014/main" xmlns="" id="{8F84884F-889F-4B7B-93C4-15E73CAD6A46}"/>
               </a:ext>
             </a:extLst>
           </p:cNvPr>
@@ -6590,7 +6492,7 @@
           <p:cNvPr id="9" name="Rectangle 3">
             <a:extLst>
               <a:ext uri="{FF2B5EF4-FFF2-40B4-BE49-F238E27FC236}">
-                <a16:creationId xmlns:a16="http://schemas.microsoft.com/office/drawing/2014/main" id="{42E6BAB5-D2F2-45E9-A964-DD67AF253D12}"/>
+                <a16:creationId xmlns:a16="http://schemas.microsoft.com/office/drawing/2014/main" xmlns="" id="{42E6BAB5-D2F2-45E9-A964-DD67AF253D12}"/>
               </a:ext>
             </a:extLst>
           </p:cNvPr>
@@ -6613,14 +6515,14 @@
           </a:ln>
           <a:extLst>
             <a:ext uri="{909E8E84-426E-40DD-AFC4-6F175D3DCCD1}">
-              <a14:hiddenFill xmlns:a14="http://schemas.microsoft.com/office/drawing/2010/main">
+              <a14:hiddenFill xmlns:a14="http://schemas.microsoft.com/office/drawing/2010/main" xmlns="">
                 <a:solidFill>
                   <a:srgbClr val="FFFFFF"/>
                 </a:solidFill>
               </a14:hiddenFill>
             </a:ext>
             <a:ext uri="{91240B29-F687-4F45-9708-019B960494DF}">
-              <a14:hiddenLine xmlns:a14="http://schemas.microsoft.com/office/drawing/2010/main" w="12700">
+              <a14:hiddenLine xmlns:a14="http://schemas.microsoft.com/office/drawing/2010/main" xmlns="" w="12700">
                 <a:solidFill>
                   <a:srgbClr val="000000"/>
                 </a:solidFill>
@@ -6841,7 +6743,7 @@
           <p:cNvPr id="11" name="Rectangle 3">
             <a:extLst>
               <a:ext uri="{FF2B5EF4-FFF2-40B4-BE49-F238E27FC236}">
-                <a16:creationId xmlns:a16="http://schemas.microsoft.com/office/drawing/2014/main" id="{0EDF54F4-2912-4D23-B0D5-33CDE006D126}"/>
+                <a16:creationId xmlns:a16="http://schemas.microsoft.com/office/drawing/2014/main" xmlns="" id="{0EDF54F4-2912-4D23-B0D5-33CDE006D126}"/>
               </a:ext>
             </a:extLst>
           </p:cNvPr>
@@ -7046,7 +6948,7 @@
           <p:cNvPr id="16" name="Picture 6">
             <a:extLst>
               <a:ext uri="{FF2B5EF4-FFF2-40B4-BE49-F238E27FC236}">
-                <a16:creationId xmlns:a16="http://schemas.microsoft.com/office/drawing/2014/main" id="{BB06E7D5-1109-4563-87FD-E2134D1988C9}"/>
+                <a16:creationId xmlns:a16="http://schemas.microsoft.com/office/drawing/2014/main" xmlns="" id="{BB06E7D5-1109-4563-87FD-E2134D1988C9}"/>
               </a:ext>
             </a:extLst>
           </p:cNvPr>
@@ -7059,7 +6961,7 @@
           <a:blip r:embed="rId2">
             <a:extLst>
               <a:ext uri="{28A0092B-C50C-407E-A947-70E740481C1C}">
-                <a14:useLocalDpi xmlns:a14="http://schemas.microsoft.com/office/drawing/2010/main" val="0"/>
+                <a14:useLocalDpi xmlns:a14="http://schemas.microsoft.com/office/drawing/2010/main" xmlns="" val="0"/>
               </a:ext>
             </a:extLst>
           </a:blip>
@@ -7082,14 +6984,14 @@
           </a:ln>
           <a:extLst>
             <a:ext uri="{909E8E84-426E-40DD-AFC4-6F175D3DCCD1}">
-              <a14:hiddenFill xmlns:a14="http://schemas.microsoft.com/office/drawing/2010/main">
+              <a14:hiddenFill xmlns:a14="http://schemas.microsoft.com/office/drawing/2010/main" xmlns="">
                 <a:solidFill>
                   <a:srgbClr val="FFFFFF"/>
                 </a:solidFill>
               </a14:hiddenFill>
             </a:ext>
             <a:ext uri="{91240B29-F687-4F45-9708-019B960494DF}">
-              <a14:hiddenLine xmlns:a14="http://schemas.microsoft.com/office/drawing/2010/main" w="12700">
+              <a14:hiddenLine xmlns:a14="http://schemas.microsoft.com/office/drawing/2010/main" xmlns="" w="12700">
                 <a:solidFill>
                   <a:srgbClr val="000000"/>
                 </a:solidFill>
@@ -7106,7 +7008,7 @@
           <p:cNvPr id="17" name="Picture 7" descr="Picture 15">
             <a:extLst>
               <a:ext uri="{FF2B5EF4-FFF2-40B4-BE49-F238E27FC236}">
-                <a16:creationId xmlns:a16="http://schemas.microsoft.com/office/drawing/2014/main" id="{E32FFEDA-7594-445B-8F8B-74DC285A91A1}"/>
+                <a16:creationId xmlns:a16="http://schemas.microsoft.com/office/drawing/2014/main" xmlns="" id="{E32FFEDA-7594-445B-8F8B-74DC285A91A1}"/>
               </a:ext>
             </a:extLst>
           </p:cNvPr>
@@ -7119,7 +7021,7 @@
           <a:blip r:embed="rId3">
             <a:extLst>
               <a:ext uri="{28A0092B-C50C-407E-A947-70E740481C1C}">
-                <a14:useLocalDpi xmlns:a14="http://schemas.microsoft.com/office/drawing/2010/main" val="0"/>
+                <a14:useLocalDpi xmlns:a14="http://schemas.microsoft.com/office/drawing/2010/main" xmlns="" val="0"/>
               </a:ext>
             </a:extLst>
           </a:blip>
@@ -7142,14 +7044,14 @@
           </a:ln>
           <a:extLst>
             <a:ext uri="{909E8E84-426E-40DD-AFC4-6F175D3DCCD1}">
-              <a14:hiddenFill xmlns:a14="http://schemas.microsoft.com/office/drawing/2010/main">
+              <a14:hiddenFill xmlns:a14="http://schemas.microsoft.com/office/drawing/2010/main" xmlns="">
                 <a:solidFill>
                   <a:srgbClr val="FFFFFF"/>
                 </a:solidFill>
               </a14:hiddenFill>
             </a:ext>
             <a:ext uri="{91240B29-F687-4F45-9708-019B960494DF}">
-              <a14:hiddenLine xmlns:a14="http://schemas.microsoft.com/office/drawing/2010/main" w="9525">
+              <a14:hiddenLine xmlns:a14="http://schemas.microsoft.com/office/drawing/2010/main" xmlns="" w="9525">
                 <a:solidFill>
                   <a:srgbClr val="000000"/>
                 </a:solidFill>
@@ -7164,7 +7066,7 @@
     </p:spTree>
     <p:extLst>
       <p:ext uri="{BB962C8B-B14F-4D97-AF65-F5344CB8AC3E}">
-        <p14:creationId xmlns:p14="http://schemas.microsoft.com/office/powerpoint/2010/main" val="2163598650"/>
+        <p14:creationId xmlns:p14="http://schemas.microsoft.com/office/powerpoint/2010/main" xmlns="" val="2163598650"/>
       </p:ext>
     </p:extLst>
   </p:cSld>
@@ -7216,28 +7118,6 @@
       </p:sp>
       <p:sp>
         <p:nvSpPr>
-          <p:cNvPr id="6" name="Date Placeholder 5"/>
-          <p:cNvSpPr>
-            <a:spLocks noGrp="1"/>
-          </p:cNvSpPr>
-          <p:nvPr>
-            <p:ph type="dt" sz="half" idx="2"/>
-          </p:nvPr>
-        </p:nvSpPr>
-        <p:spPr/>
-        <p:txBody>
-          <a:bodyPr/>
-          <a:lstStyle/>
-          <a:p>
-            <a:r>
-              <a:rPr lang="en-CA" dirty="0"/>
-              <a:t>Winter 2022</a:t>
-            </a:r>
-          </a:p>
-        </p:txBody>
-      </p:sp>
-      <p:sp>
-        <p:nvSpPr>
           <p:cNvPr id="10" name="Footer Placeholder 9"/>
           <p:cNvSpPr>
             <a:spLocks noGrp="1"/>
@@ -7290,7 +7170,7 @@
           <p:cNvPr id="7" name="Content Placeholder 2">
             <a:extLst>
               <a:ext uri="{FF2B5EF4-FFF2-40B4-BE49-F238E27FC236}">
-                <a16:creationId xmlns:a16="http://schemas.microsoft.com/office/drawing/2014/main" id="{8F84884F-889F-4B7B-93C4-15E73CAD6A46}"/>
+                <a16:creationId xmlns:a16="http://schemas.microsoft.com/office/drawing/2014/main" xmlns="" id="{8F84884F-889F-4B7B-93C4-15E73CAD6A46}"/>
               </a:ext>
             </a:extLst>
           </p:cNvPr>
@@ -7534,7 +7414,7 @@
           <p:cNvPr id="9" name="Rectangle 3">
             <a:extLst>
               <a:ext uri="{FF2B5EF4-FFF2-40B4-BE49-F238E27FC236}">
-                <a16:creationId xmlns:a16="http://schemas.microsoft.com/office/drawing/2014/main" id="{4FAE3D3B-88BB-41C1-B226-816C29D10DCD}"/>
+                <a16:creationId xmlns:a16="http://schemas.microsoft.com/office/drawing/2014/main" xmlns="" id="{4FAE3D3B-88BB-41C1-B226-816C29D10DCD}"/>
               </a:ext>
             </a:extLst>
           </p:cNvPr>
@@ -7557,14 +7437,14 @@
           </a:ln>
           <a:extLst>
             <a:ext uri="{909E8E84-426E-40DD-AFC4-6F175D3DCCD1}">
-              <a14:hiddenFill xmlns:a14="http://schemas.microsoft.com/office/drawing/2010/main">
+              <a14:hiddenFill xmlns:a14="http://schemas.microsoft.com/office/drawing/2010/main" xmlns="">
                 <a:solidFill>
                   <a:srgbClr val="FFFFFF"/>
                 </a:solidFill>
               </a14:hiddenFill>
             </a:ext>
             <a:ext uri="{91240B29-F687-4F45-9708-019B960494DF}">
-              <a14:hiddenLine xmlns:a14="http://schemas.microsoft.com/office/drawing/2010/main" w="12700">
+              <a14:hiddenLine xmlns:a14="http://schemas.microsoft.com/office/drawing/2010/main" xmlns="" w="12700">
                 <a:solidFill>
                   <a:srgbClr val="000000"/>
                 </a:solidFill>
@@ -7783,7 +7663,7 @@
     </p:spTree>
     <p:extLst>
       <p:ext uri="{BB962C8B-B14F-4D97-AF65-F5344CB8AC3E}">
-        <p14:creationId xmlns:p14="http://schemas.microsoft.com/office/powerpoint/2010/main" val="1725426974"/>
+        <p14:creationId xmlns:p14="http://schemas.microsoft.com/office/powerpoint/2010/main" xmlns="" val="1725426974"/>
       </p:ext>
     </p:extLst>
   </p:cSld>
@@ -7835,28 +7715,6 @@
       </p:sp>
       <p:sp>
         <p:nvSpPr>
-          <p:cNvPr id="6" name="Date Placeholder 5"/>
-          <p:cNvSpPr>
-            <a:spLocks noGrp="1"/>
-          </p:cNvSpPr>
-          <p:nvPr>
-            <p:ph type="dt" sz="half" idx="2"/>
-          </p:nvPr>
-        </p:nvSpPr>
-        <p:spPr/>
-        <p:txBody>
-          <a:bodyPr/>
-          <a:lstStyle/>
-          <a:p>
-            <a:r>
-              <a:rPr lang="en-CA" dirty="0"/>
-              <a:t>Winter 2022</a:t>
-            </a:r>
-          </a:p>
-        </p:txBody>
-      </p:sp>
-      <p:sp>
-        <p:nvSpPr>
           <p:cNvPr id="10" name="Footer Placeholder 9"/>
           <p:cNvSpPr>
             <a:spLocks noGrp="1"/>
@@ -7909,7 +7767,7 @@
           <p:cNvPr id="7" name="Content Placeholder 2">
             <a:extLst>
               <a:ext uri="{FF2B5EF4-FFF2-40B4-BE49-F238E27FC236}">
-                <a16:creationId xmlns:a16="http://schemas.microsoft.com/office/drawing/2014/main" id="{8F84884F-889F-4B7B-93C4-15E73CAD6A46}"/>
+                <a16:creationId xmlns:a16="http://schemas.microsoft.com/office/drawing/2014/main" xmlns="" id="{8F84884F-889F-4B7B-93C4-15E73CAD6A46}"/>
               </a:ext>
             </a:extLst>
           </p:cNvPr>
@@ -8163,7 +8021,7 @@
           <p:cNvPr id="9" name="Rectangle 3">
             <a:extLst>
               <a:ext uri="{FF2B5EF4-FFF2-40B4-BE49-F238E27FC236}">
-                <a16:creationId xmlns:a16="http://schemas.microsoft.com/office/drawing/2014/main" id="{4FAE3D3B-88BB-41C1-B226-816C29D10DCD}"/>
+                <a16:creationId xmlns:a16="http://schemas.microsoft.com/office/drawing/2014/main" xmlns="" id="{4FAE3D3B-88BB-41C1-B226-816C29D10DCD}"/>
               </a:ext>
             </a:extLst>
           </p:cNvPr>
@@ -8186,14 +8044,14 @@
           </a:ln>
           <a:extLst>
             <a:ext uri="{909E8E84-426E-40DD-AFC4-6F175D3DCCD1}">
-              <a14:hiddenFill xmlns:a14="http://schemas.microsoft.com/office/drawing/2010/main">
+              <a14:hiddenFill xmlns:a14="http://schemas.microsoft.com/office/drawing/2010/main" xmlns="">
                 <a:solidFill>
                   <a:srgbClr val="FFFFFF"/>
                 </a:solidFill>
               </a14:hiddenFill>
             </a:ext>
             <a:ext uri="{91240B29-F687-4F45-9708-019B960494DF}">
-              <a14:hiddenLine xmlns:a14="http://schemas.microsoft.com/office/drawing/2010/main" w="12700">
+              <a14:hiddenLine xmlns:a14="http://schemas.microsoft.com/office/drawing/2010/main" xmlns="" w="12700">
                 <a:solidFill>
                   <a:srgbClr val="000000"/>
                 </a:solidFill>
@@ -8414,7 +8272,7 @@
           <p:cNvPr id="8" name="Group 7">
             <a:extLst>
               <a:ext uri="{FF2B5EF4-FFF2-40B4-BE49-F238E27FC236}">
-                <a16:creationId xmlns:a16="http://schemas.microsoft.com/office/drawing/2014/main" id="{E846363B-AF37-48C0-95FF-CC6C47C1CD2A}"/>
+                <a16:creationId xmlns:a16="http://schemas.microsoft.com/office/drawing/2014/main" xmlns="" id="{E846363B-AF37-48C0-95FF-CC6C47C1CD2A}"/>
               </a:ext>
             </a:extLst>
           </p:cNvPr>
@@ -8436,7 +8294,7 @@
             <p:cNvPr id="11" name="AutoShape 8">
               <a:extLst>
                 <a:ext uri="{FF2B5EF4-FFF2-40B4-BE49-F238E27FC236}">
-                  <a16:creationId xmlns:a16="http://schemas.microsoft.com/office/drawing/2014/main" id="{8E3B8702-6F6D-4FD9-A306-B678CD749D85}"/>
+                  <a16:creationId xmlns:a16="http://schemas.microsoft.com/office/drawing/2014/main" xmlns="" id="{8E3B8702-6F6D-4FD9-A306-B678CD749D85}"/>
                 </a:ext>
               </a:extLst>
             </p:cNvPr>
@@ -8577,7 +8435,7 @@
             <p:cNvPr id="13" name="Text Box 9">
               <a:extLst>
                 <a:ext uri="{FF2B5EF4-FFF2-40B4-BE49-F238E27FC236}">
-                  <a16:creationId xmlns:a16="http://schemas.microsoft.com/office/drawing/2014/main" id="{A0ADEE00-7A51-4BCF-BDF2-E2724F92809D}"/>
+                  <a16:creationId xmlns:a16="http://schemas.microsoft.com/office/drawing/2014/main" xmlns="" id="{A0ADEE00-7A51-4BCF-BDF2-E2724F92809D}"/>
                 </a:ext>
               </a:extLst>
             </p:cNvPr>
@@ -8600,14 +8458,14 @@
             </a:ln>
             <a:extLst>
               <a:ext uri="{909E8E84-426E-40DD-AFC4-6F175D3DCCD1}">
-                <a14:hiddenFill xmlns:a14="http://schemas.microsoft.com/office/drawing/2010/main">
+                <a14:hiddenFill xmlns:a14="http://schemas.microsoft.com/office/drawing/2010/main" xmlns="">
                   <a:solidFill>
                     <a:srgbClr val="FFFFFF"/>
                   </a:solidFill>
                 </a14:hiddenFill>
               </a:ext>
               <a:ext uri="{91240B29-F687-4F45-9708-019B960494DF}">
-                <a14:hiddenLine xmlns:a14="http://schemas.microsoft.com/office/drawing/2010/main" w="9525">
+                <a14:hiddenLine xmlns:a14="http://schemas.microsoft.com/office/drawing/2010/main" xmlns="" w="9525">
                   <a:solidFill>
                     <a:srgbClr val="000000"/>
                   </a:solidFill>
@@ -8955,7 +8813,7 @@
           <p:cNvPr id="14" name="Group 13">
             <a:extLst>
               <a:ext uri="{FF2B5EF4-FFF2-40B4-BE49-F238E27FC236}">
-                <a16:creationId xmlns:a16="http://schemas.microsoft.com/office/drawing/2014/main" id="{DB45AD1A-BCDD-43EB-828C-9BE114CA5336}"/>
+                <a16:creationId xmlns:a16="http://schemas.microsoft.com/office/drawing/2014/main" xmlns="" id="{DB45AD1A-BCDD-43EB-828C-9BE114CA5336}"/>
               </a:ext>
             </a:extLst>
           </p:cNvPr>
@@ -8977,7 +8835,7 @@
             <p:cNvPr id="15" name="AutoShape 8">
               <a:extLst>
                 <a:ext uri="{FF2B5EF4-FFF2-40B4-BE49-F238E27FC236}">
-                  <a16:creationId xmlns:a16="http://schemas.microsoft.com/office/drawing/2014/main" id="{FA9400A9-7F92-4509-A6C0-22202A7C08C5}"/>
+                  <a16:creationId xmlns:a16="http://schemas.microsoft.com/office/drawing/2014/main" xmlns="" id="{FA9400A9-7F92-4509-A6C0-22202A7C08C5}"/>
                 </a:ext>
               </a:extLst>
             </p:cNvPr>
@@ -9118,7 +8976,7 @@
             <p:cNvPr id="16" name="Text Box 9">
               <a:extLst>
                 <a:ext uri="{FF2B5EF4-FFF2-40B4-BE49-F238E27FC236}">
-                  <a16:creationId xmlns:a16="http://schemas.microsoft.com/office/drawing/2014/main" id="{6A27A397-5C1E-416A-8346-8A9DD539E5C6}"/>
+                  <a16:creationId xmlns:a16="http://schemas.microsoft.com/office/drawing/2014/main" xmlns="" id="{6A27A397-5C1E-416A-8346-8A9DD539E5C6}"/>
                 </a:ext>
               </a:extLst>
             </p:cNvPr>
@@ -9141,14 +8999,14 @@
             </a:ln>
             <a:extLst>
               <a:ext uri="{909E8E84-426E-40DD-AFC4-6F175D3DCCD1}">
-                <a14:hiddenFill xmlns:a14="http://schemas.microsoft.com/office/drawing/2010/main">
+                <a14:hiddenFill xmlns:a14="http://schemas.microsoft.com/office/drawing/2010/main" xmlns="">
                   <a:solidFill>
                     <a:srgbClr val="FFFFFF"/>
                   </a:solidFill>
                 </a14:hiddenFill>
               </a:ext>
               <a:ext uri="{91240B29-F687-4F45-9708-019B960494DF}">
-                <a14:hiddenLine xmlns:a14="http://schemas.microsoft.com/office/drawing/2010/main" w="9525">
+                <a14:hiddenLine xmlns:a14="http://schemas.microsoft.com/office/drawing/2010/main" xmlns="" w="9525">
                   <a:solidFill>
                     <a:srgbClr val="000000"/>
                   </a:solidFill>
@@ -9502,7 +9360,7 @@
           <p:cNvPr id="17" name="Group 16">
             <a:extLst>
               <a:ext uri="{FF2B5EF4-FFF2-40B4-BE49-F238E27FC236}">
-                <a16:creationId xmlns:a16="http://schemas.microsoft.com/office/drawing/2014/main" id="{CBF48B8D-DAA8-40A7-A146-1D33AE3C051F}"/>
+                <a16:creationId xmlns:a16="http://schemas.microsoft.com/office/drawing/2014/main" xmlns="" id="{CBF48B8D-DAA8-40A7-A146-1D33AE3C051F}"/>
               </a:ext>
             </a:extLst>
           </p:cNvPr>
@@ -9524,7 +9382,7 @@
             <p:cNvPr id="18" name="AutoShape 8">
               <a:extLst>
                 <a:ext uri="{FF2B5EF4-FFF2-40B4-BE49-F238E27FC236}">
-                  <a16:creationId xmlns:a16="http://schemas.microsoft.com/office/drawing/2014/main" id="{EF57A825-A530-4D4A-AAAE-967141FA87E8}"/>
+                  <a16:creationId xmlns:a16="http://schemas.microsoft.com/office/drawing/2014/main" xmlns="" id="{EF57A825-A530-4D4A-AAAE-967141FA87E8}"/>
                 </a:ext>
               </a:extLst>
             </p:cNvPr>
@@ -9665,7 +9523,7 @@
             <p:cNvPr id="19" name="Text Box 9">
               <a:extLst>
                 <a:ext uri="{FF2B5EF4-FFF2-40B4-BE49-F238E27FC236}">
-                  <a16:creationId xmlns:a16="http://schemas.microsoft.com/office/drawing/2014/main" id="{5A934CF5-8ED5-42FB-BB85-4E750B469997}"/>
+                  <a16:creationId xmlns:a16="http://schemas.microsoft.com/office/drawing/2014/main" xmlns="" id="{5A934CF5-8ED5-42FB-BB85-4E750B469997}"/>
                 </a:ext>
               </a:extLst>
             </p:cNvPr>
@@ -9688,14 +9546,14 @@
             </a:ln>
             <a:extLst>
               <a:ext uri="{909E8E84-426E-40DD-AFC4-6F175D3DCCD1}">
-                <a14:hiddenFill xmlns:a14="http://schemas.microsoft.com/office/drawing/2010/main">
+                <a14:hiddenFill xmlns:a14="http://schemas.microsoft.com/office/drawing/2010/main" xmlns="">
                   <a:solidFill>
                     <a:srgbClr val="FFFFFF"/>
                   </a:solidFill>
                 </a14:hiddenFill>
               </a:ext>
               <a:ext uri="{91240B29-F687-4F45-9708-019B960494DF}">
-                <a14:hiddenLine xmlns:a14="http://schemas.microsoft.com/office/drawing/2010/main" w="9525">
+                <a14:hiddenLine xmlns:a14="http://schemas.microsoft.com/office/drawing/2010/main" xmlns="" w="9525">
                   <a:solidFill>
                     <a:srgbClr val="000000"/>
                   </a:solidFill>
@@ -10059,7 +9917,7 @@
     </p:spTree>
     <p:extLst>
       <p:ext uri="{BB962C8B-B14F-4D97-AF65-F5344CB8AC3E}">
-        <p14:creationId xmlns:p14="http://schemas.microsoft.com/office/powerpoint/2010/main" val="574198189"/>
+        <p14:creationId xmlns:p14="http://schemas.microsoft.com/office/powerpoint/2010/main" xmlns="" val="574198189"/>
       </p:ext>
     </p:extLst>
   </p:cSld>
@@ -10111,28 +9969,6 @@
       </p:sp>
       <p:sp>
         <p:nvSpPr>
-          <p:cNvPr id="6" name="Date Placeholder 5"/>
-          <p:cNvSpPr>
-            <a:spLocks noGrp="1"/>
-          </p:cNvSpPr>
-          <p:nvPr>
-            <p:ph type="dt" sz="half" idx="2"/>
-          </p:nvPr>
-        </p:nvSpPr>
-        <p:spPr/>
-        <p:txBody>
-          <a:bodyPr/>
-          <a:lstStyle/>
-          <a:p>
-            <a:r>
-              <a:rPr lang="en-CA" dirty="0"/>
-              <a:t>Winter 2022</a:t>
-            </a:r>
-          </a:p>
-        </p:txBody>
-      </p:sp>
-      <p:sp>
-        <p:nvSpPr>
           <p:cNvPr id="10" name="Footer Placeholder 9"/>
           <p:cNvSpPr>
             <a:spLocks noGrp="1"/>
@@ -10185,7 +10021,7 @@
           <p:cNvPr id="7" name="Content Placeholder 2">
             <a:extLst>
               <a:ext uri="{FF2B5EF4-FFF2-40B4-BE49-F238E27FC236}">
-                <a16:creationId xmlns:a16="http://schemas.microsoft.com/office/drawing/2014/main" id="{8F84884F-889F-4B7B-93C4-15E73CAD6A46}"/>
+                <a16:creationId xmlns:a16="http://schemas.microsoft.com/office/drawing/2014/main" xmlns="" id="{8F84884F-889F-4B7B-93C4-15E73CAD6A46}"/>
               </a:ext>
             </a:extLst>
           </p:cNvPr>
@@ -10419,7 +10255,7 @@
           <p:cNvPr id="8" name="Group 7">
             <a:extLst>
               <a:ext uri="{FF2B5EF4-FFF2-40B4-BE49-F238E27FC236}">
-                <a16:creationId xmlns:a16="http://schemas.microsoft.com/office/drawing/2014/main" id="{99F53A13-7984-4DBE-84EB-74A7CAF49CCA}"/>
+                <a16:creationId xmlns:a16="http://schemas.microsoft.com/office/drawing/2014/main" xmlns="" id="{99F53A13-7984-4DBE-84EB-74A7CAF49CCA}"/>
               </a:ext>
             </a:extLst>
           </p:cNvPr>
@@ -10441,7 +10277,7 @@
             <p:cNvPr id="11" name="AutoShape 8">
               <a:extLst>
                 <a:ext uri="{FF2B5EF4-FFF2-40B4-BE49-F238E27FC236}">
-                  <a16:creationId xmlns:a16="http://schemas.microsoft.com/office/drawing/2014/main" id="{41AFA8D0-F925-403A-90ED-73633AB73B77}"/>
+                  <a16:creationId xmlns:a16="http://schemas.microsoft.com/office/drawing/2014/main" xmlns="" id="{41AFA8D0-F925-403A-90ED-73633AB73B77}"/>
                 </a:ext>
               </a:extLst>
             </p:cNvPr>
@@ -10582,7 +10418,7 @@
             <p:cNvPr id="13" name="Text Box 9">
               <a:extLst>
                 <a:ext uri="{FF2B5EF4-FFF2-40B4-BE49-F238E27FC236}">
-                  <a16:creationId xmlns:a16="http://schemas.microsoft.com/office/drawing/2014/main" id="{08BC9873-D614-4518-9110-B370C32957BD}"/>
+                  <a16:creationId xmlns:a16="http://schemas.microsoft.com/office/drawing/2014/main" xmlns="" id="{08BC9873-D614-4518-9110-B370C32957BD}"/>
                 </a:ext>
               </a:extLst>
             </p:cNvPr>
@@ -10605,14 +10441,14 @@
             </a:ln>
             <a:extLst>
               <a:ext uri="{909E8E84-426E-40DD-AFC4-6F175D3DCCD1}">
-                <a14:hiddenFill xmlns:a14="http://schemas.microsoft.com/office/drawing/2010/main">
+                <a14:hiddenFill xmlns:a14="http://schemas.microsoft.com/office/drawing/2010/main" xmlns="">
                   <a:solidFill>
                     <a:srgbClr val="FFFFFF"/>
                   </a:solidFill>
                 </a14:hiddenFill>
               </a:ext>
               <a:ext uri="{91240B29-F687-4F45-9708-019B960494DF}">
-                <a14:hiddenLine xmlns:a14="http://schemas.microsoft.com/office/drawing/2010/main" w="9525">
+                <a14:hiddenLine xmlns:a14="http://schemas.microsoft.com/office/drawing/2010/main" xmlns="" w="9525">
                   <a:solidFill>
                     <a:srgbClr val="000000"/>
                   </a:solidFill>
@@ -10980,7 +10816,7 @@
     </p:spTree>
     <p:extLst>
       <p:ext uri="{BB962C8B-B14F-4D97-AF65-F5344CB8AC3E}">
-        <p14:creationId xmlns:p14="http://schemas.microsoft.com/office/powerpoint/2010/main" val="575334544"/>
+        <p14:creationId xmlns:p14="http://schemas.microsoft.com/office/powerpoint/2010/main" xmlns="" val="575334544"/>
       </p:ext>
     </p:extLst>
   </p:cSld>
@@ -11032,28 +10868,6 @@
       </p:sp>
       <p:sp>
         <p:nvSpPr>
-          <p:cNvPr id="6" name="Date Placeholder 5"/>
-          <p:cNvSpPr>
-            <a:spLocks noGrp="1"/>
-          </p:cNvSpPr>
-          <p:nvPr>
-            <p:ph type="dt" sz="half" idx="2"/>
-          </p:nvPr>
-        </p:nvSpPr>
-        <p:spPr/>
-        <p:txBody>
-          <a:bodyPr/>
-          <a:lstStyle/>
-          <a:p>
-            <a:r>
-              <a:rPr lang="en-CA" dirty="0"/>
-              <a:t>Winter 2022</a:t>
-            </a:r>
-          </a:p>
-        </p:txBody>
-      </p:sp>
-      <p:sp>
-        <p:nvSpPr>
           <p:cNvPr id="10" name="Footer Placeholder 9"/>
           <p:cNvSpPr>
             <a:spLocks noGrp="1"/>
@@ -11106,7 +10920,7 @@
           <p:cNvPr id="7" name="Content Placeholder 2">
             <a:extLst>
               <a:ext uri="{FF2B5EF4-FFF2-40B4-BE49-F238E27FC236}">
-                <a16:creationId xmlns:a16="http://schemas.microsoft.com/office/drawing/2014/main" id="{8F84884F-889F-4B7B-93C4-15E73CAD6A46}"/>
+                <a16:creationId xmlns:a16="http://schemas.microsoft.com/office/drawing/2014/main" xmlns="" id="{8F84884F-889F-4B7B-93C4-15E73CAD6A46}"/>
               </a:ext>
             </a:extLst>
           </p:cNvPr>
@@ -11320,7 +11134,7 @@
           <p:cNvPr id="8" name="Group 7">
             <a:extLst>
               <a:ext uri="{FF2B5EF4-FFF2-40B4-BE49-F238E27FC236}">
-                <a16:creationId xmlns:a16="http://schemas.microsoft.com/office/drawing/2014/main" id="{99F53A13-7984-4DBE-84EB-74A7CAF49CCA}"/>
+                <a16:creationId xmlns:a16="http://schemas.microsoft.com/office/drawing/2014/main" xmlns="" id="{99F53A13-7984-4DBE-84EB-74A7CAF49CCA}"/>
               </a:ext>
             </a:extLst>
           </p:cNvPr>
@@ -11342,7 +11156,7 @@
             <p:cNvPr id="11" name="AutoShape 8">
               <a:extLst>
                 <a:ext uri="{FF2B5EF4-FFF2-40B4-BE49-F238E27FC236}">
-                  <a16:creationId xmlns:a16="http://schemas.microsoft.com/office/drawing/2014/main" id="{41AFA8D0-F925-403A-90ED-73633AB73B77}"/>
+                  <a16:creationId xmlns:a16="http://schemas.microsoft.com/office/drawing/2014/main" xmlns="" id="{41AFA8D0-F925-403A-90ED-73633AB73B77}"/>
                 </a:ext>
               </a:extLst>
             </p:cNvPr>
@@ -11483,7 +11297,7 @@
             <p:cNvPr id="13" name="Text Box 9">
               <a:extLst>
                 <a:ext uri="{FF2B5EF4-FFF2-40B4-BE49-F238E27FC236}">
-                  <a16:creationId xmlns:a16="http://schemas.microsoft.com/office/drawing/2014/main" id="{08BC9873-D614-4518-9110-B370C32957BD}"/>
+                  <a16:creationId xmlns:a16="http://schemas.microsoft.com/office/drawing/2014/main" xmlns="" id="{08BC9873-D614-4518-9110-B370C32957BD}"/>
                 </a:ext>
               </a:extLst>
             </p:cNvPr>
@@ -11506,14 +11320,14 @@
             </a:ln>
             <a:extLst>
               <a:ext uri="{909E8E84-426E-40DD-AFC4-6F175D3DCCD1}">
-                <a14:hiddenFill xmlns:a14="http://schemas.microsoft.com/office/drawing/2010/main">
+                <a14:hiddenFill xmlns:a14="http://schemas.microsoft.com/office/drawing/2010/main" xmlns="">
                   <a:solidFill>
                     <a:srgbClr val="FFFFFF"/>
                   </a:solidFill>
                 </a14:hiddenFill>
               </a:ext>
               <a:ext uri="{91240B29-F687-4F45-9708-019B960494DF}">
-                <a14:hiddenLine xmlns:a14="http://schemas.microsoft.com/office/drawing/2010/main" w="9525">
+                <a14:hiddenLine xmlns:a14="http://schemas.microsoft.com/office/drawing/2010/main" xmlns="" w="9525">
                   <a:solidFill>
                     <a:srgbClr val="000000"/>
                   </a:solidFill>
@@ -11905,7 +11719,7 @@
     </p:spTree>
     <p:extLst>
       <p:ext uri="{BB962C8B-B14F-4D97-AF65-F5344CB8AC3E}">
-        <p14:creationId xmlns:p14="http://schemas.microsoft.com/office/powerpoint/2010/main" val="907451661"/>
+        <p14:creationId xmlns:p14="http://schemas.microsoft.com/office/powerpoint/2010/main" xmlns="" val="907451661"/>
       </p:ext>
     </p:extLst>
   </p:cSld>
@@ -11957,28 +11771,6 @@
       </p:sp>
       <p:sp>
         <p:nvSpPr>
-          <p:cNvPr id="6" name="Date Placeholder 5"/>
-          <p:cNvSpPr>
-            <a:spLocks noGrp="1"/>
-          </p:cNvSpPr>
-          <p:nvPr>
-            <p:ph type="dt" sz="half" idx="2"/>
-          </p:nvPr>
-        </p:nvSpPr>
-        <p:spPr/>
-        <p:txBody>
-          <a:bodyPr/>
-          <a:lstStyle/>
-          <a:p>
-            <a:r>
-              <a:rPr lang="en-CA" dirty="0"/>
-              <a:t>Winter 2022</a:t>
-            </a:r>
-          </a:p>
-        </p:txBody>
-      </p:sp>
-      <p:sp>
-        <p:nvSpPr>
           <p:cNvPr id="10" name="Footer Placeholder 9"/>
           <p:cNvSpPr>
             <a:spLocks noGrp="1"/>
@@ -12031,7 +11823,7 @@
           <p:cNvPr id="7" name="Content Placeholder 2">
             <a:extLst>
               <a:ext uri="{FF2B5EF4-FFF2-40B4-BE49-F238E27FC236}">
-                <a16:creationId xmlns:a16="http://schemas.microsoft.com/office/drawing/2014/main" id="{8F84884F-889F-4B7B-93C4-15E73CAD6A46}"/>
+                <a16:creationId xmlns:a16="http://schemas.microsoft.com/office/drawing/2014/main" xmlns="" id="{8F84884F-889F-4B7B-93C4-15E73CAD6A46}"/>
               </a:ext>
             </a:extLst>
           </p:cNvPr>
@@ -12254,7 +12046,7 @@
           <p:cNvPr id="8" name="Group 7">
             <a:extLst>
               <a:ext uri="{FF2B5EF4-FFF2-40B4-BE49-F238E27FC236}">
-                <a16:creationId xmlns:a16="http://schemas.microsoft.com/office/drawing/2014/main" id="{99F53A13-7984-4DBE-84EB-74A7CAF49CCA}"/>
+                <a16:creationId xmlns:a16="http://schemas.microsoft.com/office/drawing/2014/main" xmlns="" id="{99F53A13-7984-4DBE-84EB-74A7CAF49CCA}"/>
               </a:ext>
             </a:extLst>
           </p:cNvPr>
@@ -12276,7 +12068,7 @@
             <p:cNvPr id="11" name="AutoShape 8">
               <a:extLst>
                 <a:ext uri="{FF2B5EF4-FFF2-40B4-BE49-F238E27FC236}">
-                  <a16:creationId xmlns:a16="http://schemas.microsoft.com/office/drawing/2014/main" id="{41AFA8D0-F925-403A-90ED-73633AB73B77}"/>
+                  <a16:creationId xmlns:a16="http://schemas.microsoft.com/office/drawing/2014/main" xmlns="" id="{41AFA8D0-F925-403A-90ED-73633AB73B77}"/>
                 </a:ext>
               </a:extLst>
             </p:cNvPr>
@@ -12417,7 +12209,7 @@
             <p:cNvPr id="13" name="Text Box 9">
               <a:extLst>
                 <a:ext uri="{FF2B5EF4-FFF2-40B4-BE49-F238E27FC236}">
-                  <a16:creationId xmlns:a16="http://schemas.microsoft.com/office/drawing/2014/main" id="{08BC9873-D614-4518-9110-B370C32957BD}"/>
+                  <a16:creationId xmlns:a16="http://schemas.microsoft.com/office/drawing/2014/main" xmlns="" id="{08BC9873-D614-4518-9110-B370C32957BD}"/>
                 </a:ext>
               </a:extLst>
             </p:cNvPr>
@@ -12440,14 +12232,14 @@
             </a:ln>
             <a:extLst>
               <a:ext uri="{909E8E84-426E-40DD-AFC4-6F175D3DCCD1}">
-                <a14:hiddenFill xmlns:a14="http://schemas.microsoft.com/office/drawing/2010/main">
+                <a14:hiddenFill xmlns:a14="http://schemas.microsoft.com/office/drawing/2010/main" xmlns="">
                   <a:solidFill>
                     <a:srgbClr val="FFFFFF"/>
                   </a:solidFill>
                 </a14:hiddenFill>
               </a:ext>
               <a:ext uri="{91240B29-F687-4F45-9708-019B960494DF}">
-                <a14:hiddenLine xmlns:a14="http://schemas.microsoft.com/office/drawing/2010/main" w="9525">
+                <a14:hiddenLine xmlns:a14="http://schemas.microsoft.com/office/drawing/2010/main" xmlns="" w="9525">
                   <a:solidFill>
                     <a:srgbClr val="000000"/>
                   </a:solidFill>
@@ -12895,7 +12687,7 @@
     </p:spTree>
     <p:extLst>
       <p:ext uri="{BB962C8B-B14F-4D97-AF65-F5344CB8AC3E}">
-        <p14:creationId xmlns:p14="http://schemas.microsoft.com/office/powerpoint/2010/main" val="3935094225"/>
+        <p14:creationId xmlns:p14="http://schemas.microsoft.com/office/powerpoint/2010/main" xmlns="" val="3935094225"/>
       </p:ext>
     </p:extLst>
   </p:cSld>
@@ -12947,28 +12739,6 @@
       </p:sp>
       <p:sp>
         <p:nvSpPr>
-          <p:cNvPr id="6" name="Date Placeholder 5"/>
-          <p:cNvSpPr>
-            <a:spLocks noGrp="1"/>
-          </p:cNvSpPr>
-          <p:nvPr>
-            <p:ph type="dt" sz="half" idx="2"/>
-          </p:nvPr>
-        </p:nvSpPr>
-        <p:spPr/>
-        <p:txBody>
-          <a:bodyPr/>
-          <a:lstStyle/>
-          <a:p>
-            <a:r>
-              <a:rPr lang="en-CA" dirty="0"/>
-              <a:t>Winter 2022</a:t>
-            </a:r>
-          </a:p>
-        </p:txBody>
-      </p:sp>
-      <p:sp>
-        <p:nvSpPr>
           <p:cNvPr id="10" name="Footer Placeholder 9"/>
           <p:cNvSpPr>
             <a:spLocks noGrp="1"/>
@@ -13021,7 +12791,7 @@
           <p:cNvPr id="7" name="Content Placeholder 2">
             <a:extLst>
               <a:ext uri="{FF2B5EF4-FFF2-40B4-BE49-F238E27FC236}">
-                <a16:creationId xmlns:a16="http://schemas.microsoft.com/office/drawing/2014/main" id="{8F84884F-889F-4B7B-93C4-15E73CAD6A46}"/>
+                <a16:creationId xmlns:a16="http://schemas.microsoft.com/office/drawing/2014/main" xmlns="" id="{8F84884F-889F-4B7B-93C4-15E73CAD6A46}"/>
               </a:ext>
             </a:extLst>
           </p:cNvPr>
@@ -13229,7 +12999,7 @@
           <p:cNvPr id="14" name="Picture 4" descr="deepclonee">
             <a:extLst>
               <a:ext uri="{FF2B5EF4-FFF2-40B4-BE49-F238E27FC236}">
-                <a16:creationId xmlns:a16="http://schemas.microsoft.com/office/drawing/2014/main" id="{B8505DA3-98A0-483F-AA22-E31962F60147}"/>
+                <a16:creationId xmlns:a16="http://schemas.microsoft.com/office/drawing/2014/main" xmlns="" id="{B8505DA3-98A0-483F-AA22-E31962F60147}"/>
               </a:ext>
             </a:extLst>
           </p:cNvPr>
@@ -13242,7 +13012,7 @@
           <a:blip r:embed="rId2">
             <a:extLst>
               <a:ext uri="{28A0092B-C50C-407E-A947-70E740481C1C}">
-                <a14:useLocalDpi xmlns:a14="http://schemas.microsoft.com/office/drawing/2010/main" val="0"/>
+                <a14:useLocalDpi xmlns:a14="http://schemas.microsoft.com/office/drawing/2010/main" xmlns="" val="0"/>
               </a:ext>
             </a:extLst>
           </a:blip>
@@ -13265,7 +13035,7 @@
     </p:spTree>
     <p:extLst>
       <p:ext uri="{BB962C8B-B14F-4D97-AF65-F5344CB8AC3E}">
-        <p14:creationId xmlns:p14="http://schemas.microsoft.com/office/powerpoint/2010/main" val="390055144"/>
+        <p14:creationId xmlns:p14="http://schemas.microsoft.com/office/powerpoint/2010/main" xmlns="" val="390055144"/>
       </p:ext>
     </p:extLst>
   </p:cSld>
@@ -13360,28 +13130,6 @@
       </p:sp>
       <p:sp>
         <p:nvSpPr>
-          <p:cNvPr id="6" name="Date Placeholder 5"/>
-          <p:cNvSpPr>
-            <a:spLocks noGrp="1"/>
-          </p:cNvSpPr>
-          <p:nvPr>
-            <p:ph type="dt" sz="half" idx="2"/>
-          </p:nvPr>
-        </p:nvSpPr>
-        <p:spPr/>
-        <p:txBody>
-          <a:bodyPr/>
-          <a:lstStyle/>
-          <a:p>
-            <a:r>
-              <a:rPr lang="en-CA" dirty="0"/>
-              <a:t>Winter 2022</a:t>
-            </a:r>
-          </a:p>
-        </p:txBody>
-      </p:sp>
-      <p:sp>
-        <p:nvSpPr>
           <p:cNvPr id="10" name="Footer Placeholder 9"/>
           <p:cNvSpPr>
             <a:spLocks noGrp="1"/>
@@ -13432,7 +13180,7 @@
     </p:spTree>
     <p:extLst>
       <p:ext uri="{BB962C8B-B14F-4D97-AF65-F5344CB8AC3E}">
-        <p14:creationId xmlns:p14="http://schemas.microsoft.com/office/powerpoint/2010/main" val="5545177"/>
+        <p14:creationId xmlns:p14="http://schemas.microsoft.com/office/powerpoint/2010/main" xmlns="" val="5545177"/>
       </p:ext>
     </p:extLst>
   </p:cSld>
@@ -13484,28 +13232,6 @@
       </p:sp>
       <p:sp>
         <p:nvSpPr>
-          <p:cNvPr id="6" name="Date Placeholder 5"/>
-          <p:cNvSpPr>
-            <a:spLocks noGrp="1"/>
-          </p:cNvSpPr>
-          <p:nvPr>
-            <p:ph type="dt" sz="half" idx="2"/>
-          </p:nvPr>
-        </p:nvSpPr>
-        <p:spPr/>
-        <p:txBody>
-          <a:bodyPr/>
-          <a:lstStyle/>
-          <a:p>
-            <a:r>
-              <a:rPr lang="en-CA" dirty="0"/>
-              <a:t>Winter 2022</a:t>
-            </a:r>
-          </a:p>
-        </p:txBody>
-      </p:sp>
-      <p:sp>
-        <p:nvSpPr>
           <p:cNvPr id="10" name="Footer Placeholder 9"/>
           <p:cNvSpPr>
             <a:spLocks noGrp="1"/>
@@ -13558,7 +13284,7 @@
           <p:cNvPr id="7" name="Content Placeholder 2">
             <a:extLst>
               <a:ext uri="{FF2B5EF4-FFF2-40B4-BE49-F238E27FC236}">
-                <a16:creationId xmlns:a16="http://schemas.microsoft.com/office/drawing/2014/main" id="{8F84884F-889F-4B7B-93C4-15E73CAD6A46}"/>
+                <a16:creationId xmlns:a16="http://schemas.microsoft.com/office/drawing/2014/main" xmlns="" id="{8F84884F-889F-4B7B-93C4-15E73CAD6A46}"/>
               </a:ext>
             </a:extLst>
           </p:cNvPr>
@@ -13798,7 +13524,7 @@
           <p:cNvPr id="8" name="Group 7">
             <a:extLst>
               <a:ext uri="{FF2B5EF4-FFF2-40B4-BE49-F238E27FC236}">
-                <a16:creationId xmlns:a16="http://schemas.microsoft.com/office/drawing/2014/main" id="{C8236DFE-0A32-491A-8876-34D40B04FE9D}"/>
+                <a16:creationId xmlns:a16="http://schemas.microsoft.com/office/drawing/2014/main" xmlns="" id="{C8236DFE-0A32-491A-8876-34D40B04FE9D}"/>
               </a:ext>
             </a:extLst>
           </p:cNvPr>
@@ -13820,7 +13546,7 @@
             <p:cNvPr id="9" name="AutoShape 8">
               <a:extLst>
                 <a:ext uri="{FF2B5EF4-FFF2-40B4-BE49-F238E27FC236}">
-                  <a16:creationId xmlns:a16="http://schemas.microsoft.com/office/drawing/2014/main" id="{F41E02DE-5EC4-4358-8FEC-9E61218E3C1F}"/>
+                  <a16:creationId xmlns:a16="http://schemas.microsoft.com/office/drawing/2014/main" xmlns="" id="{F41E02DE-5EC4-4358-8FEC-9E61218E3C1F}"/>
                 </a:ext>
               </a:extLst>
             </p:cNvPr>
@@ -13961,7 +13687,7 @@
             <p:cNvPr id="11" name="Text Box 9">
               <a:extLst>
                 <a:ext uri="{FF2B5EF4-FFF2-40B4-BE49-F238E27FC236}">
-                  <a16:creationId xmlns:a16="http://schemas.microsoft.com/office/drawing/2014/main" id="{5C57EA9E-6512-4A95-B8E3-9DBA7A85B766}"/>
+                  <a16:creationId xmlns:a16="http://schemas.microsoft.com/office/drawing/2014/main" xmlns="" id="{5C57EA9E-6512-4A95-B8E3-9DBA7A85B766}"/>
                 </a:ext>
               </a:extLst>
             </p:cNvPr>
@@ -13984,14 +13710,14 @@
             </a:ln>
             <a:extLst>
               <a:ext uri="{909E8E84-426E-40DD-AFC4-6F175D3DCCD1}">
-                <a14:hiddenFill xmlns:a14="http://schemas.microsoft.com/office/drawing/2010/main">
+                <a14:hiddenFill xmlns:a14="http://schemas.microsoft.com/office/drawing/2010/main" xmlns="">
                   <a:solidFill>
                     <a:srgbClr val="FFFFFF"/>
                   </a:solidFill>
                 </a14:hiddenFill>
               </a:ext>
               <a:ext uri="{91240B29-F687-4F45-9708-019B960494DF}">
-                <a14:hiddenLine xmlns:a14="http://schemas.microsoft.com/office/drawing/2010/main" w="9525">
+                <a14:hiddenLine xmlns:a14="http://schemas.microsoft.com/office/drawing/2010/main" xmlns="" w="9525">
                   <a:solidFill>
                     <a:srgbClr val="000000"/>
                   </a:solidFill>
@@ -14345,7 +14071,7 @@
           <p:cNvPr id="15" name="Picture 4" descr="shallowcloned">
             <a:extLst>
               <a:ext uri="{FF2B5EF4-FFF2-40B4-BE49-F238E27FC236}">
-                <a16:creationId xmlns:a16="http://schemas.microsoft.com/office/drawing/2014/main" id="{8CDAE122-99BD-418B-8D61-E84B940A5983}"/>
+                <a16:creationId xmlns:a16="http://schemas.microsoft.com/office/drawing/2014/main" xmlns="" id="{8CDAE122-99BD-418B-8D61-E84B940A5983}"/>
               </a:ext>
             </a:extLst>
           </p:cNvPr>
@@ -14358,7 +14084,7 @@
           <a:blip r:embed="rId2">
             <a:extLst>
               <a:ext uri="{28A0092B-C50C-407E-A947-70E740481C1C}">
-                <a14:useLocalDpi xmlns:a14="http://schemas.microsoft.com/office/drawing/2010/main" val="0"/>
+                <a14:useLocalDpi xmlns:a14="http://schemas.microsoft.com/office/drawing/2010/main" xmlns="" val="0"/>
               </a:ext>
             </a:extLst>
           </a:blip>
@@ -14381,7 +14107,7 @@
     </p:spTree>
     <p:extLst>
       <p:ext uri="{BB962C8B-B14F-4D97-AF65-F5344CB8AC3E}">
-        <p14:creationId xmlns:p14="http://schemas.microsoft.com/office/powerpoint/2010/main" val="2251487522"/>
+        <p14:creationId xmlns:p14="http://schemas.microsoft.com/office/powerpoint/2010/main" xmlns="" val="2251487522"/>
       </p:ext>
     </p:extLst>
   </p:cSld>
@@ -14433,28 +14159,6 @@
       </p:sp>
       <p:sp>
         <p:nvSpPr>
-          <p:cNvPr id="6" name="Date Placeholder 5"/>
-          <p:cNvSpPr>
-            <a:spLocks noGrp="1"/>
-          </p:cNvSpPr>
-          <p:nvPr>
-            <p:ph type="dt" sz="half" idx="2"/>
-          </p:nvPr>
-        </p:nvSpPr>
-        <p:spPr/>
-        <p:txBody>
-          <a:bodyPr/>
-          <a:lstStyle/>
-          <a:p>
-            <a:r>
-              <a:rPr lang="en-CA" dirty="0"/>
-              <a:t>Winter 2022</a:t>
-            </a:r>
-          </a:p>
-        </p:txBody>
-      </p:sp>
-      <p:sp>
-        <p:nvSpPr>
           <p:cNvPr id="10" name="Footer Placeholder 9"/>
           <p:cNvSpPr>
             <a:spLocks noGrp="1"/>
@@ -14507,7 +14211,7 @@
           <p:cNvPr id="7" name="Content Placeholder 2">
             <a:extLst>
               <a:ext uri="{FF2B5EF4-FFF2-40B4-BE49-F238E27FC236}">
-                <a16:creationId xmlns:a16="http://schemas.microsoft.com/office/drawing/2014/main" id="{8F84884F-889F-4B7B-93C4-15E73CAD6A46}"/>
+                <a16:creationId xmlns:a16="http://schemas.microsoft.com/office/drawing/2014/main" xmlns="" id="{8F84884F-889F-4B7B-93C4-15E73CAD6A46}"/>
               </a:ext>
             </a:extLst>
           </p:cNvPr>
@@ -14739,7 +14443,7 @@
           <p:cNvPr id="13" name="Picture 4" descr="shallow-copy">
             <a:extLst>
               <a:ext uri="{FF2B5EF4-FFF2-40B4-BE49-F238E27FC236}">
-                <a16:creationId xmlns:a16="http://schemas.microsoft.com/office/drawing/2014/main" id="{2C31F147-330D-4B58-8141-C72E0EB4263A}"/>
+                <a16:creationId xmlns:a16="http://schemas.microsoft.com/office/drawing/2014/main" xmlns="" id="{2C31F147-330D-4B58-8141-C72E0EB4263A}"/>
               </a:ext>
             </a:extLst>
           </p:cNvPr>
@@ -14752,7 +14456,7 @@
           <a:blip r:embed="rId2">
             <a:extLst>
               <a:ext uri="{28A0092B-C50C-407E-A947-70E740481C1C}">
-                <a14:useLocalDpi xmlns:a14="http://schemas.microsoft.com/office/drawing/2010/main" val="0"/>
+                <a14:useLocalDpi xmlns:a14="http://schemas.microsoft.com/office/drawing/2010/main" xmlns="" val="0"/>
               </a:ext>
             </a:extLst>
           </a:blip>
@@ -14775,7 +14479,7 @@
     </p:spTree>
     <p:extLst>
       <p:ext uri="{BB962C8B-B14F-4D97-AF65-F5344CB8AC3E}">
-        <p14:creationId xmlns:p14="http://schemas.microsoft.com/office/powerpoint/2010/main" val="3697826814"/>
+        <p14:creationId xmlns:p14="http://schemas.microsoft.com/office/powerpoint/2010/main" xmlns="" val="3697826814"/>
       </p:ext>
     </p:extLst>
   </p:cSld>
@@ -14827,28 +14531,6 @@
       </p:sp>
       <p:sp>
         <p:nvSpPr>
-          <p:cNvPr id="6" name="Date Placeholder 5"/>
-          <p:cNvSpPr>
-            <a:spLocks noGrp="1"/>
-          </p:cNvSpPr>
-          <p:nvPr>
-            <p:ph type="dt" sz="half" idx="2"/>
-          </p:nvPr>
-        </p:nvSpPr>
-        <p:spPr/>
-        <p:txBody>
-          <a:bodyPr/>
-          <a:lstStyle/>
-          <a:p>
-            <a:r>
-              <a:rPr lang="en-CA" dirty="0"/>
-              <a:t>Winter 2022</a:t>
-            </a:r>
-          </a:p>
-        </p:txBody>
-      </p:sp>
-      <p:sp>
-        <p:nvSpPr>
           <p:cNvPr id="10" name="Footer Placeholder 9"/>
           <p:cNvSpPr>
             <a:spLocks noGrp="1"/>
@@ -14901,7 +14583,7 @@
           <p:cNvPr id="7" name="Content Placeholder 2">
             <a:extLst>
               <a:ext uri="{FF2B5EF4-FFF2-40B4-BE49-F238E27FC236}">
-                <a16:creationId xmlns:a16="http://schemas.microsoft.com/office/drawing/2014/main" id="{8F84884F-889F-4B7B-93C4-15E73CAD6A46}"/>
+                <a16:creationId xmlns:a16="http://schemas.microsoft.com/office/drawing/2014/main" xmlns="" id="{8F84884F-889F-4B7B-93C4-15E73CAD6A46}"/>
               </a:ext>
             </a:extLst>
           </p:cNvPr>
@@ -15106,7 +14788,7 @@
           <p:cNvPr id="8" name="Group 7">
             <a:extLst>
               <a:ext uri="{FF2B5EF4-FFF2-40B4-BE49-F238E27FC236}">
-                <a16:creationId xmlns:a16="http://schemas.microsoft.com/office/drawing/2014/main" id="{9C77D8E1-C79C-46C4-BB7E-951F7E2FEA57}"/>
+                <a16:creationId xmlns:a16="http://schemas.microsoft.com/office/drawing/2014/main" xmlns="" id="{9C77D8E1-C79C-46C4-BB7E-951F7E2FEA57}"/>
               </a:ext>
             </a:extLst>
           </p:cNvPr>
@@ -15128,7 +14810,7 @@
             <p:cNvPr id="9" name="AutoShape 8">
               <a:extLst>
                 <a:ext uri="{FF2B5EF4-FFF2-40B4-BE49-F238E27FC236}">
-                  <a16:creationId xmlns:a16="http://schemas.microsoft.com/office/drawing/2014/main" id="{A3241998-60A6-4E75-8233-8830629FD47F}"/>
+                  <a16:creationId xmlns:a16="http://schemas.microsoft.com/office/drawing/2014/main" xmlns="" id="{A3241998-60A6-4E75-8233-8830629FD47F}"/>
                 </a:ext>
               </a:extLst>
             </p:cNvPr>
@@ -15269,7 +14951,7 @@
             <p:cNvPr id="11" name="Text Box 9">
               <a:extLst>
                 <a:ext uri="{FF2B5EF4-FFF2-40B4-BE49-F238E27FC236}">
-                  <a16:creationId xmlns:a16="http://schemas.microsoft.com/office/drawing/2014/main" id="{21FAC1D4-E2E6-4421-A2E6-EC06F42124DE}"/>
+                  <a16:creationId xmlns:a16="http://schemas.microsoft.com/office/drawing/2014/main" xmlns="" id="{21FAC1D4-E2E6-4421-A2E6-EC06F42124DE}"/>
                 </a:ext>
               </a:extLst>
             </p:cNvPr>
@@ -15292,14 +14974,14 @@
             </a:ln>
             <a:extLst>
               <a:ext uri="{909E8E84-426E-40DD-AFC4-6F175D3DCCD1}">
-                <a14:hiddenFill xmlns:a14="http://schemas.microsoft.com/office/drawing/2010/main">
+                <a14:hiddenFill xmlns:a14="http://schemas.microsoft.com/office/drawing/2010/main" xmlns="">
                   <a:solidFill>
                     <a:srgbClr val="FFFFFF"/>
                   </a:solidFill>
                 </a14:hiddenFill>
               </a:ext>
               <a:ext uri="{91240B29-F687-4F45-9708-019B960494DF}">
-                <a14:hiddenLine xmlns:a14="http://schemas.microsoft.com/office/drawing/2010/main" w="9525">
+                <a14:hiddenLine xmlns:a14="http://schemas.microsoft.com/office/drawing/2010/main" xmlns="" w="9525">
                   <a:solidFill>
                     <a:srgbClr val="000000"/>
                   </a:solidFill>
@@ -15858,7 +15540,7 @@
     </p:spTree>
     <p:extLst>
       <p:ext uri="{BB962C8B-B14F-4D97-AF65-F5344CB8AC3E}">
-        <p14:creationId xmlns:p14="http://schemas.microsoft.com/office/powerpoint/2010/main" val="2047590050"/>
+        <p14:creationId xmlns:p14="http://schemas.microsoft.com/office/powerpoint/2010/main" xmlns="" val="2047590050"/>
       </p:ext>
     </p:extLst>
   </p:cSld>
@@ -15910,28 +15592,6 @@
       </p:sp>
       <p:sp>
         <p:nvSpPr>
-          <p:cNvPr id="6" name="Date Placeholder 5"/>
-          <p:cNvSpPr>
-            <a:spLocks noGrp="1"/>
-          </p:cNvSpPr>
-          <p:nvPr>
-            <p:ph type="dt" sz="half" idx="2"/>
-          </p:nvPr>
-        </p:nvSpPr>
-        <p:spPr/>
-        <p:txBody>
-          <a:bodyPr/>
-          <a:lstStyle/>
-          <a:p>
-            <a:r>
-              <a:rPr lang="en-CA" dirty="0"/>
-              <a:t>Winter 2022</a:t>
-            </a:r>
-          </a:p>
-        </p:txBody>
-      </p:sp>
-      <p:sp>
-        <p:nvSpPr>
           <p:cNvPr id="10" name="Footer Placeholder 9"/>
           <p:cNvSpPr>
             <a:spLocks noGrp="1"/>
@@ -15984,7 +15644,7 @@
           <p:cNvPr id="7" name="Content Placeholder 2">
             <a:extLst>
               <a:ext uri="{FF2B5EF4-FFF2-40B4-BE49-F238E27FC236}">
-                <a16:creationId xmlns:a16="http://schemas.microsoft.com/office/drawing/2014/main" id="{8F84884F-889F-4B7B-93C4-15E73CAD6A46}"/>
+                <a16:creationId xmlns:a16="http://schemas.microsoft.com/office/drawing/2014/main" xmlns="" id="{8F84884F-889F-4B7B-93C4-15E73CAD6A46}"/>
               </a:ext>
             </a:extLst>
           </p:cNvPr>
@@ -16186,7 +15846,7 @@
           <p:cNvPr id="13" name="Picture 4" descr="deeplycloned">
             <a:extLst>
               <a:ext uri="{FF2B5EF4-FFF2-40B4-BE49-F238E27FC236}">
-                <a16:creationId xmlns:a16="http://schemas.microsoft.com/office/drawing/2014/main" id="{9ED35EAB-465B-490C-8681-636E7FE80DE7}"/>
+                <a16:creationId xmlns:a16="http://schemas.microsoft.com/office/drawing/2014/main" xmlns="" id="{9ED35EAB-465B-490C-8681-636E7FE80DE7}"/>
               </a:ext>
             </a:extLst>
           </p:cNvPr>
@@ -16199,7 +15859,7 @@
           <a:blip r:embed="rId2">
             <a:extLst>
               <a:ext uri="{28A0092B-C50C-407E-A947-70E740481C1C}">
-                <a14:useLocalDpi xmlns:a14="http://schemas.microsoft.com/office/drawing/2010/main" val="0"/>
+                <a14:useLocalDpi xmlns:a14="http://schemas.microsoft.com/office/drawing/2010/main" xmlns="" val="0"/>
               </a:ext>
             </a:extLst>
           </a:blip>
@@ -16222,7 +15882,7 @@
     </p:spTree>
     <p:extLst>
       <p:ext uri="{BB962C8B-B14F-4D97-AF65-F5344CB8AC3E}">
-        <p14:creationId xmlns:p14="http://schemas.microsoft.com/office/powerpoint/2010/main" val="409799013"/>
+        <p14:creationId xmlns:p14="http://schemas.microsoft.com/office/powerpoint/2010/main" xmlns="" val="409799013"/>
       </p:ext>
     </p:extLst>
   </p:cSld>
@@ -16274,28 +15934,6 @@
       </p:sp>
       <p:sp>
         <p:nvSpPr>
-          <p:cNvPr id="6" name="Date Placeholder 5"/>
-          <p:cNvSpPr>
-            <a:spLocks noGrp="1"/>
-          </p:cNvSpPr>
-          <p:nvPr>
-            <p:ph type="dt" sz="half" idx="2"/>
-          </p:nvPr>
-        </p:nvSpPr>
-        <p:spPr/>
-        <p:txBody>
-          <a:bodyPr/>
-          <a:lstStyle/>
-          <a:p>
-            <a:r>
-              <a:rPr lang="en-CA" dirty="0"/>
-              <a:t>Winter 2022</a:t>
-            </a:r>
-          </a:p>
-        </p:txBody>
-      </p:sp>
-      <p:sp>
-        <p:nvSpPr>
           <p:cNvPr id="10" name="Footer Placeholder 9"/>
           <p:cNvSpPr>
             <a:spLocks noGrp="1"/>
@@ -16348,7 +15986,7 @@
           <p:cNvPr id="7" name="Content Placeholder 2">
             <a:extLst>
               <a:ext uri="{FF2B5EF4-FFF2-40B4-BE49-F238E27FC236}">
-                <a16:creationId xmlns:a16="http://schemas.microsoft.com/office/drawing/2014/main" id="{8F84884F-889F-4B7B-93C4-15E73CAD6A46}"/>
+                <a16:creationId xmlns:a16="http://schemas.microsoft.com/office/drawing/2014/main" xmlns="" id="{8F84884F-889F-4B7B-93C4-15E73CAD6A46}"/>
               </a:ext>
             </a:extLst>
           </p:cNvPr>
@@ -16601,7 +16239,7 @@
           <p:cNvPr id="8" name="Group 7">
             <a:extLst>
               <a:ext uri="{FF2B5EF4-FFF2-40B4-BE49-F238E27FC236}">
-                <a16:creationId xmlns:a16="http://schemas.microsoft.com/office/drawing/2014/main" id="{63798406-107D-4BA0-99EA-4E7035D4982C}"/>
+                <a16:creationId xmlns:a16="http://schemas.microsoft.com/office/drawing/2014/main" xmlns="" id="{63798406-107D-4BA0-99EA-4E7035D4982C}"/>
               </a:ext>
             </a:extLst>
           </p:cNvPr>
@@ -16623,7 +16261,7 @@
             <p:cNvPr id="11" name="AutoShape 8">
               <a:extLst>
                 <a:ext uri="{FF2B5EF4-FFF2-40B4-BE49-F238E27FC236}">
-                  <a16:creationId xmlns:a16="http://schemas.microsoft.com/office/drawing/2014/main" id="{130B2781-99CD-4E72-BD58-719C515D6459}"/>
+                  <a16:creationId xmlns:a16="http://schemas.microsoft.com/office/drawing/2014/main" xmlns="" id="{130B2781-99CD-4E72-BD58-719C515D6459}"/>
                 </a:ext>
               </a:extLst>
             </p:cNvPr>
@@ -16764,7 +16402,7 @@
             <p:cNvPr id="13" name="Text Box 9">
               <a:extLst>
                 <a:ext uri="{FF2B5EF4-FFF2-40B4-BE49-F238E27FC236}">
-                  <a16:creationId xmlns:a16="http://schemas.microsoft.com/office/drawing/2014/main" id="{4DF5912A-EAEF-4880-BA3D-53771CC6E02F}"/>
+                  <a16:creationId xmlns:a16="http://schemas.microsoft.com/office/drawing/2014/main" xmlns="" id="{4DF5912A-EAEF-4880-BA3D-53771CC6E02F}"/>
                 </a:ext>
               </a:extLst>
             </p:cNvPr>
@@ -16787,14 +16425,14 @@
             </a:ln>
             <a:extLst>
               <a:ext uri="{909E8E84-426E-40DD-AFC4-6F175D3DCCD1}">
-                <a14:hiddenFill xmlns:a14="http://schemas.microsoft.com/office/drawing/2010/main">
+                <a14:hiddenFill xmlns:a14="http://schemas.microsoft.com/office/drawing/2010/main" xmlns="">
                   <a:solidFill>
                     <a:srgbClr val="FFFFFF"/>
                   </a:solidFill>
                 </a14:hiddenFill>
               </a:ext>
               <a:ext uri="{91240B29-F687-4F45-9708-019B960494DF}">
-                <a14:hiddenLine xmlns:a14="http://schemas.microsoft.com/office/drawing/2010/main" w="9525">
+                <a14:hiddenLine xmlns:a14="http://schemas.microsoft.com/office/drawing/2010/main" xmlns="" w="9525">
                   <a:solidFill>
                     <a:srgbClr val="000000"/>
                   </a:solidFill>
@@ -17136,7 +16774,7 @@
           <p:cNvPr id="14" name="Group 13">
             <a:extLst>
               <a:ext uri="{FF2B5EF4-FFF2-40B4-BE49-F238E27FC236}">
-                <a16:creationId xmlns:a16="http://schemas.microsoft.com/office/drawing/2014/main" id="{1186E27A-6F99-4130-B46A-6DF270D49E79}"/>
+                <a16:creationId xmlns:a16="http://schemas.microsoft.com/office/drawing/2014/main" xmlns="" id="{1186E27A-6F99-4130-B46A-6DF270D49E79}"/>
               </a:ext>
             </a:extLst>
           </p:cNvPr>
@@ -17158,7 +16796,7 @@
             <p:cNvPr id="15" name="AutoShape 8">
               <a:extLst>
                 <a:ext uri="{FF2B5EF4-FFF2-40B4-BE49-F238E27FC236}">
-                  <a16:creationId xmlns:a16="http://schemas.microsoft.com/office/drawing/2014/main" id="{B5788A73-F4AA-4A48-AD3F-BF50F0B967CC}"/>
+                  <a16:creationId xmlns:a16="http://schemas.microsoft.com/office/drawing/2014/main" xmlns="" id="{B5788A73-F4AA-4A48-AD3F-BF50F0B967CC}"/>
                 </a:ext>
               </a:extLst>
             </p:cNvPr>
@@ -17299,7 +16937,7 @@
             <p:cNvPr id="16" name="Text Box 9">
               <a:extLst>
                 <a:ext uri="{FF2B5EF4-FFF2-40B4-BE49-F238E27FC236}">
-                  <a16:creationId xmlns:a16="http://schemas.microsoft.com/office/drawing/2014/main" id="{65A6C5EB-BFEB-4B9E-ADBC-FD601D5B6DF5}"/>
+                  <a16:creationId xmlns:a16="http://schemas.microsoft.com/office/drawing/2014/main" xmlns="" id="{65A6C5EB-BFEB-4B9E-ADBC-FD601D5B6DF5}"/>
                 </a:ext>
               </a:extLst>
             </p:cNvPr>
@@ -17322,14 +16960,14 @@
             </a:ln>
             <a:extLst>
               <a:ext uri="{909E8E84-426E-40DD-AFC4-6F175D3DCCD1}">
-                <a14:hiddenFill xmlns:a14="http://schemas.microsoft.com/office/drawing/2010/main">
+                <a14:hiddenFill xmlns:a14="http://schemas.microsoft.com/office/drawing/2010/main" xmlns="">
                   <a:solidFill>
                     <a:srgbClr val="FFFFFF"/>
                   </a:solidFill>
                 </a14:hiddenFill>
               </a:ext>
               <a:ext uri="{91240B29-F687-4F45-9708-019B960494DF}">
-                <a14:hiddenLine xmlns:a14="http://schemas.microsoft.com/office/drawing/2010/main" w="9525">
+                <a14:hiddenLine xmlns:a14="http://schemas.microsoft.com/office/drawing/2010/main" xmlns="" w="9525">
                   <a:solidFill>
                     <a:srgbClr val="000000"/>
                   </a:solidFill>
@@ -17681,7 +17319,7 @@
     </p:spTree>
     <p:extLst>
       <p:ext uri="{BB962C8B-B14F-4D97-AF65-F5344CB8AC3E}">
-        <p14:creationId xmlns:p14="http://schemas.microsoft.com/office/powerpoint/2010/main" val="2464055947"/>
+        <p14:creationId xmlns:p14="http://schemas.microsoft.com/office/powerpoint/2010/main" xmlns="" val="2464055947"/>
       </p:ext>
     </p:extLst>
   </p:cSld>
@@ -17733,28 +17371,6 @@
       </p:sp>
       <p:sp>
         <p:nvSpPr>
-          <p:cNvPr id="6" name="Date Placeholder 5"/>
-          <p:cNvSpPr>
-            <a:spLocks noGrp="1"/>
-          </p:cNvSpPr>
-          <p:nvPr>
-            <p:ph type="dt" sz="half" idx="2"/>
-          </p:nvPr>
-        </p:nvSpPr>
-        <p:spPr/>
-        <p:txBody>
-          <a:bodyPr/>
-          <a:lstStyle/>
-          <a:p>
-            <a:r>
-              <a:rPr lang="en-CA" dirty="0"/>
-              <a:t>Winter 2022</a:t>
-            </a:r>
-          </a:p>
-        </p:txBody>
-      </p:sp>
-      <p:sp>
-        <p:nvSpPr>
           <p:cNvPr id="10" name="Footer Placeholder 9"/>
           <p:cNvSpPr>
             <a:spLocks noGrp="1"/>
@@ -17807,7 +17423,7 @@
           <p:cNvPr id="7" name="Content Placeholder 2">
             <a:extLst>
               <a:ext uri="{FF2B5EF4-FFF2-40B4-BE49-F238E27FC236}">
-                <a16:creationId xmlns:a16="http://schemas.microsoft.com/office/drawing/2014/main" id="{8F84884F-889F-4B7B-93C4-15E73CAD6A46}"/>
+                <a16:creationId xmlns:a16="http://schemas.microsoft.com/office/drawing/2014/main" xmlns="" id="{8F84884F-889F-4B7B-93C4-15E73CAD6A46}"/>
               </a:ext>
             </a:extLst>
           </p:cNvPr>
@@ -18037,7 +17653,7 @@
           <p:cNvPr id="14" name="Group 13">
             <a:extLst>
               <a:ext uri="{FF2B5EF4-FFF2-40B4-BE49-F238E27FC236}">
-                <a16:creationId xmlns:a16="http://schemas.microsoft.com/office/drawing/2014/main" id="{1186E27A-6F99-4130-B46A-6DF270D49E79}"/>
+                <a16:creationId xmlns:a16="http://schemas.microsoft.com/office/drawing/2014/main" xmlns="" id="{1186E27A-6F99-4130-B46A-6DF270D49E79}"/>
               </a:ext>
             </a:extLst>
           </p:cNvPr>
@@ -18059,7 +17675,7 @@
             <p:cNvPr id="15" name="AutoShape 8">
               <a:extLst>
                 <a:ext uri="{FF2B5EF4-FFF2-40B4-BE49-F238E27FC236}">
-                  <a16:creationId xmlns:a16="http://schemas.microsoft.com/office/drawing/2014/main" id="{B5788A73-F4AA-4A48-AD3F-BF50F0B967CC}"/>
+                  <a16:creationId xmlns:a16="http://schemas.microsoft.com/office/drawing/2014/main" xmlns="" id="{B5788A73-F4AA-4A48-AD3F-BF50F0B967CC}"/>
                 </a:ext>
               </a:extLst>
             </p:cNvPr>
@@ -18200,7 +17816,7 @@
             <p:cNvPr id="16" name="Text Box 9">
               <a:extLst>
                 <a:ext uri="{FF2B5EF4-FFF2-40B4-BE49-F238E27FC236}">
-                  <a16:creationId xmlns:a16="http://schemas.microsoft.com/office/drawing/2014/main" id="{65A6C5EB-BFEB-4B9E-ADBC-FD601D5B6DF5}"/>
+                  <a16:creationId xmlns:a16="http://schemas.microsoft.com/office/drawing/2014/main" xmlns="" id="{65A6C5EB-BFEB-4B9E-ADBC-FD601D5B6DF5}"/>
                 </a:ext>
               </a:extLst>
             </p:cNvPr>
@@ -18223,14 +17839,14 @@
             </a:ln>
             <a:extLst>
               <a:ext uri="{909E8E84-426E-40DD-AFC4-6F175D3DCCD1}">
-                <a14:hiddenFill xmlns:a14="http://schemas.microsoft.com/office/drawing/2010/main">
+                <a14:hiddenFill xmlns:a14="http://schemas.microsoft.com/office/drawing/2010/main" xmlns="">
                   <a:solidFill>
                     <a:srgbClr val="FFFFFF"/>
                   </a:solidFill>
                 </a14:hiddenFill>
               </a:ext>
               <a:ext uri="{91240B29-F687-4F45-9708-019B960494DF}">
-                <a14:hiddenLine xmlns:a14="http://schemas.microsoft.com/office/drawing/2010/main" w="9525">
+                <a14:hiddenLine xmlns:a14="http://schemas.microsoft.com/office/drawing/2010/main" xmlns="" w="9525">
                   <a:solidFill>
                     <a:srgbClr val="000000"/>
                   </a:solidFill>
@@ -18576,7 +18192,7 @@
     </p:spTree>
     <p:extLst>
       <p:ext uri="{BB962C8B-B14F-4D97-AF65-F5344CB8AC3E}">
-        <p14:creationId xmlns:p14="http://schemas.microsoft.com/office/powerpoint/2010/main" val="1215359347"/>
+        <p14:creationId xmlns:p14="http://schemas.microsoft.com/office/powerpoint/2010/main" xmlns="" val="1215359347"/>
       </p:ext>
     </p:extLst>
   </p:cSld>
@@ -18724,28 +18340,6 @@
       </p:sp>
       <p:sp>
         <p:nvSpPr>
-          <p:cNvPr id="6" name="Date Placeholder 5"/>
-          <p:cNvSpPr>
-            <a:spLocks noGrp="1"/>
-          </p:cNvSpPr>
-          <p:nvPr>
-            <p:ph type="dt" sz="half" idx="2"/>
-          </p:nvPr>
-        </p:nvSpPr>
-        <p:spPr/>
-        <p:txBody>
-          <a:bodyPr/>
-          <a:lstStyle/>
-          <a:p>
-            <a:r>
-              <a:rPr lang="en-CA" dirty="0"/>
-              <a:t>Winter 2022</a:t>
-            </a:r>
-          </a:p>
-        </p:txBody>
-      </p:sp>
-      <p:sp>
-        <p:nvSpPr>
           <p:cNvPr id="10" name="Footer Placeholder 9"/>
           <p:cNvSpPr>
             <a:spLocks noGrp="1"/>
@@ -18796,7 +18390,7 @@
     </p:spTree>
     <p:extLst>
       <p:ext uri="{BB962C8B-B14F-4D97-AF65-F5344CB8AC3E}">
-        <p14:creationId xmlns:p14="http://schemas.microsoft.com/office/powerpoint/2010/main" val="51204498"/>
+        <p14:creationId xmlns:p14="http://schemas.microsoft.com/office/powerpoint/2010/main" xmlns="" val="51204498"/>
       </p:ext>
     </p:extLst>
   </p:cSld>
@@ -18880,28 +18474,6 @@
       </p:sp>
       <p:sp>
         <p:nvSpPr>
-          <p:cNvPr id="6" name="Date Placeholder 5"/>
-          <p:cNvSpPr>
-            <a:spLocks noGrp="1"/>
-          </p:cNvSpPr>
-          <p:nvPr>
-            <p:ph type="dt" sz="half" idx="2"/>
-          </p:nvPr>
-        </p:nvSpPr>
-        <p:spPr/>
-        <p:txBody>
-          <a:bodyPr/>
-          <a:lstStyle/>
-          <a:p>
-            <a:r>
-              <a:rPr lang="en-CA" dirty="0"/>
-              <a:t>Winter 2022</a:t>
-            </a:r>
-          </a:p>
-        </p:txBody>
-      </p:sp>
-      <p:sp>
-        <p:nvSpPr>
           <p:cNvPr id="10" name="Footer Placeholder 9"/>
           <p:cNvSpPr>
             <a:spLocks noGrp="1"/>
@@ -18954,7 +18526,7 @@
           <p:cNvPr id="7" name="Rectangle 3">
             <a:extLst>
               <a:ext uri="{FF2B5EF4-FFF2-40B4-BE49-F238E27FC236}">
-                <a16:creationId xmlns:a16="http://schemas.microsoft.com/office/drawing/2014/main" id="{A67DA94B-CB55-4566-A94A-484935B88761}"/>
+                <a16:creationId xmlns:a16="http://schemas.microsoft.com/office/drawing/2014/main" xmlns="" id="{A67DA94B-CB55-4566-A94A-484935B88761}"/>
               </a:ext>
             </a:extLst>
           </p:cNvPr>
@@ -18996,6 +18568,10 @@
             </a:lvl1pPr>
           </a:lstStyle>
           <a:p>
+            <a:r>
+              <a:rPr lang="en-US" altLang="en-US" dirty="0"/>
+              <a:t/>
+            </a:r>
             <a:br>
               <a:rPr lang="en-US" altLang="en-US" dirty="0"/>
             </a:br>
@@ -19056,7 +18632,7 @@
     </p:spTree>
     <p:extLst>
       <p:ext uri="{BB962C8B-B14F-4D97-AF65-F5344CB8AC3E}">
-        <p14:creationId xmlns:p14="http://schemas.microsoft.com/office/powerpoint/2010/main" val="320570207"/>
+        <p14:creationId xmlns:p14="http://schemas.microsoft.com/office/powerpoint/2010/main" xmlns="" val="320570207"/>
       </p:ext>
     </p:extLst>
   </p:cSld>
@@ -19185,28 +18761,6 @@
       </p:sp>
       <p:sp>
         <p:nvSpPr>
-          <p:cNvPr id="6" name="Date Placeholder 5"/>
-          <p:cNvSpPr>
-            <a:spLocks noGrp="1"/>
-          </p:cNvSpPr>
-          <p:nvPr>
-            <p:ph type="dt" sz="half" idx="2"/>
-          </p:nvPr>
-        </p:nvSpPr>
-        <p:spPr/>
-        <p:txBody>
-          <a:bodyPr/>
-          <a:lstStyle/>
-          <a:p>
-            <a:r>
-              <a:rPr lang="en-CA" dirty="0"/>
-              <a:t>Winter 2022</a:t>
-            </a:r>
-          </a:p>
-        </p:txBody>
-      </p:sp>
-      <p:sp>
-        <p:nvSpPr>
           <p:cNvPr id="10" name="Footer Placeholder 9"/>
           <p:cNvSpPr>
             <a:spLocks noGrp="1"/>
@@ -19259,7 +18813,7 @@
           <p:cNvPr id="7" name="Rectangle 3">
             <a:extLst>
               <a:ext uri="{FF2B5EF4-FFF2-40B4-BE49-F238E27FC236}">
-                <a16:creationId xmlns:a16="http://schemas.microsoft.com/office/drawing/2014/main" id="{A67DA94B-CB55-4566-A94A-484935B88761}"/>
+                <a16:creationId xmlns:a16="http://schemas.microsoft.com/office/drawing/2014/main" xmlns="" id="{A67DA94B-CB55-4566-A94A-484935B88761}"/>
               </a:ext>
             </a:extLst>
           </p:cNvPr>
@@ -19301,6 +18855,10 @@
             </a:lvl1pPr>
           </a:lstStyle>
           <a:p>
+            <a:r>
+              <a:rPr lang="en-US" altLang="en-US" dirty="0"/>
+              <a:t/>
+            </a:r>
             <a:br>
               <a:rPr lang="en-US" altLang="en-US" dirty="0"/>
             </a:br>
@@ -19363,7 +18921,7 @@
           <p:cNvPr id="9" name="Group 7">
             <a:extLst>
               <a:ext uri="{FF2B5EF4-FFF2-40B4-BE49-F238E27FC236}">
-                <a16:creationId xmlns:a16="http://schemas.microsoft.com/office/drawing/2014/main" id="{84354CF3-7B8C-4D4E-B5A5-696AE45E1CAD}"/>
+                <a16:creationId xmlns:a16="http://schemas.microsoft.com/office/drawing/2014/main" xmlns="" id="{84354CF3-7B8C-4D4E-B5A5-696AE45E1CAD}"/>
               </a:ext>
             </a:extLst>
           </p:cNvPr>
@@ -19385,7 +18943,7 @@
             <p:cNvPr id="11" name="AutoShape 8">
               <a:extLst>
                 <a:ext uri="{FF2B5EF4-FFF2-40B4-BE49-F238E27FC236}">
-                  <a16:creationId xmlns:a16="http://schemas.microsoft.com/office/drawing/2014/main" id="{D721CB7E-35D9-4106-A688-2CAA7B21D846}"/>
+                  <a16:creationId xmlns:a16="http://schemas.microsoft.com/office/drawing/2014/main" xmlns="" id="{D721CB7E-35D9-4106-A688-2CAA7B21D846}"/>
                 </a:ext>
               </a:extLst>
             </p:cNvPr>
@@ -19526,7 +19084,7 @@
             <p:cNvPr id="13" name="Text Box 9">
               <a:extLst>
                 <a:ext uri="{FF2B5EF4-FFF2-40B4-BE49-F238E27FC236}">
-                  <a16:creationId xmlns:a16="http://schemas.microsoft.com/office/drawing/2014/main" id="{A4181A5E-8A0D-455B-B6F2-D9EADB14A71F}"/>
+                  <a16:creationId xmlns:a16="http://schemas.microsoft.com/office/drawing/2014/main" xmlns="" id="{A4181A5E-8A0D-455B-B6F2-D9EADB14A71F}"/>
                 </a:ext>
               </a:extLst>
             </p:cNvPr>
@@ -19549,14 +19107,14 @@
             </a:ln>
             <a:extLst>
               <a:ext uri="{909E8E84-426E-40DD-AFC4-6F175D3DCCD1}">
-                <a14:hiddenFill xmlns:a14="http://schemas.microsoft.com/office/drawing/2010/main">
+                <a14:hiddenFill xmlns:a14="http://schemas.microsoft.com/office/drawing/2010/main" xmlns="">
                   <a:solidFill>
                     <a:srgbClr val="FFFFFF"/>
                   </a:solidFill>
                 </a14:hiddenFill>
               </a:ext>
               <a:ext uri="{91240B29-F687-4F45-9708-019B960494DF}">
-                <a14:hiddenLine xmlns:a14="http://schemas.microsoft.com/office/drawing/2010/main" w="9525">
+                <a14:hiddenLine xmlns:a14="http://schemas.microsoft.com/office/drawing/2010/main" xmlns="" w="9525">
                   <a:solidFill>
                     <a:srgbClr val="000000"/>
                   </a:solidFill>
@@ -19976,7 +19534,7 @@
     </p:spTree>
     <p:extLst>
       <p:ext uri="{BB962C8B-B14F-4D97-AF65-F5344CB8AC3E}">
-        <p14:creationId xmlns:p14="http://schemas.microsoft.com/office/powerpoint/2010/main" val="3100600334"/>
+        <p14:creationId xmlns:p14="http://schemas.microsoft.com/office/powerpoint/2010/main" xmlns="" val="3100600334"/>
       </p:ext>
     </p:extLst>
   </p:cSld>
@@ -20113,28 +19671,6 @@
       </p:sp>
       <p:sp>
         <p:nvSpPr>
-          <p:cNvPr id="6" name="Date Placeholder 5"/>
-          <p:cNvSpPr>
-            <a:spLocks noGrp="1"/>
-          </p:cNvSpPr>
-          <p:nvPr>
-            <p:ph type="dt" sz="half" idx="2"/>
-          </p:nvPr>
-        </p:nvSpPr>
-        <p:spPr/>
-        <p:txBody>
-          <a:bodyPr/>
-          <a:lstStyle/>
-          <a:p>
-            <a:r>
-              <a:rPr lang="en-CA" dirty="0"/>
-              <a:t>Winter 2022</a:t>
-            </a:r>
-          </a:p>
-        </p:txBody>
-      </p:sp>
-      <p:sp>
-        <p:nvSpPr>
           <p:cNvPr id="10" name="Footer Placeholder 9"/>
           <p:cNvSpPr>
             <a:spLocks noGrp="1"/>
@@ -20187,7 +19723,7 @@
           <p:cNvPr id="7" name="Rectangle 3">
             <a:extLst>
               <a:ext uri="{FF2B5EF4-FFF2-40B4-BE49-F238E27FC236}">
-                <a16:creationId xmlns:a16="http://schemas.microsoft.com/office/drawing/2014/main" id="{A67DA94B-CB55-4566-A94A-484935B88761}"/>
+                <a16:creationId xmlns:a16="http://schemas.microsoft.com/office/drawing/2014/main" xmlns="" id="{A67DA94B-CB55-4566-A94A-484935B88761}"/>
               </a:ext>
             </a:extLst>
           </p:cNvPr>
@@ -20229,6 +19765,10 @@
             </a:lvl1pPr>
           </a:lstStyle>
           <a:p>
+            <a:r>
+              <a:rPr lang="en-US" altLang="en-US" dirty="0"/>
+              <a:t/>
+            </a:r>
             <a:br>
               <a:rPr lang="en-US" altLang="en-US" dirty="0"/>
             </a:br>
@@ -20289,7 +19829,7 @@
     </p:spTree>
     <p:extLst>
       <p:ext uri="{BB962C8B-B14F-4D97-AF65-F5344CB8AC3E}">
-        <p14:creationId xmlns:p14="http://schemas.microsoft.com/office/powerpoint/2010/main" val="3694219831"/>
+        <p14:creationId xmlns:p14="http://schemas.microsoft.com/office/powerpoint/2010/main" xmlns="" val="3694219831"/>
       </p:ext>
     </p:extLst>
   </p:cSld>
@@ -20410,28 +19950,6 @@
       </p:sp>
       <p:sp>
         <p:nvSpPr>
-          <p:cNvPr id="6" name="Date Placeholder 5"/>
-          <p:cNvSpPr>
-            <a:spLocks noGrp="1"/>
-          </p:cNvSpPr>
-          <p:nvPr>
-            <p:ph type="dt" sz="half" idx="2"/>
-          </p:nvPr>
-        </p:nvSpPr>
-        <p:spPr/>
-        <p:txBody>
-          <a:bodyPr/>
-          <a:lstStyle/>
-          <a:p>
-            <a:r>
-              <a:rPr lang="en-CA" dirty="0"/>
-              <a:t>Winter 2022</a:t>
-            </a:r>
-          </a:p>
-        </p:txBody>
-      </p:sp>
-      <p:sp>
-        <p:nvSpPr>
           <p:cNvPr id="10" name="Footer Placeholder 9"/>
           <p:cNvSpPr>
             <a:spLocks noGrp="1"/>
@@ -20484,7 +20002,7 @@
           <p:cNvPr id="7" name="Rectangle 3">
             <a:extLst>
               <a:ext uri="{FF2B5EF4-FFF2-40B4-BE49-F238E27FC236}">
-                <a16:creationId xmlns:a16="http://schemas.microsoft.com/office/drawing/2014/main" id="{D024DA65-373F-40BF-A741-F13167A1C119}"/>
+                <a16:creationId xmlns:a16="http://schemas.microsoft.com/office/drawing/2014/main" xmlns="" id="{D024DA65-373F-40BF-A741-F13167A1C119}"/>
               </a:ext>
             </a:extLst>
           </p:cNvPr>
@@ -20526,6 +20044,10 @@
             </a:lvl1pPr>
           </a:lstStyle>
           <a:p>
+            <a:r>
+              <a:rPr lang="en-US" altLang="en-US" dirty="0"/>
+              <a:t/>
+            </a:r>
             <a:br>
               <a:rPr lang="en-US" altLang="en-US" dirty="0"/>
             </a:br>
@@ -20586,7 +20108,7 @@
     </p:spTree>
     <p:extLst>
       <p:ext uri="{BB962C8B-B14F-4D97-AF65-F5344CB8AC3E}">
-        <p14:creationId xmlns:p14="http://schemas.microsoft.com/office/powerpoint/2010/main" val="1671114193"/>
+        <p14:creationId xmlns:p14="http://schemas.microsoft.com/office/powerpoint/2010/main" xmlns="" val="1671114193"/>
       </p:ext>
     </p:extLst>
   </p:cSld>
@@ -20782,28 +20304,6 @@
       </p:sp>
       <p:sp>
         <p:nvSpPr>
-          <p:cNvPr id="6" name="Date Placeholder 5"/>
-          <p:cNvSpPr>
-            <a:spLocks noGrp="1"/>
-          </p:cNvSpPr>
-          <p:nvPr>
-            <p:ph type="dt" sz="half" idx="2"/>
-          </p:nvPr>
-        </p:nvSpPr>
-        <p:spPr/>
-        <p:txBody>
-          <a:bodyPr/>
-          <a:lstStyle/>
-          <a:p>
-            <a:r>
-              <a:rPr lang="en-CA" dirty="0"/>
-              <a:t>Winter 2022</a:t>
-            </a:r>
-          </a:p>
-        </p:txBody>
-      </p:sp>
-      <p:sp>
-        <p:nvSpPr>
           <p:cNvPr id="10" name="Footer Placeholder 9"/>
           <p:cNvSpPr>
             <a:spLocks noGrp="1"/>
@@ -20854,7 +20354,7 @@
     </p:spTree>
     <p:extLst>
       <p:ext uri="{BB962C8B-B14F-4D97-AF65-F5344CB8AC3E}">
-        <p14:creationId xmlns:p14="http://schemas.microsoft.com/office/powerpoint/2010/main" val="3636771838"/>
+        <p14:creationId xmlns:p14="http://schemas.microsoft.com/office/powerpoint/2010/main" xmlns="" val="3636771838"/>
       </p:ext>
     </p:extLst>
   </p:cSld>
@@ -21050,28 +20550,6 @@
       </p:sp>
       <p:sp>
         <p:nvSpPr>
-          <p:cNvPr id="6" name="Date Placeholder 5"/>
-          <p:cNvSpPr>
-            <a:spLocks noGrp="1"/>
-          </p:cNvSpPr>
-          <p:nvPr>
-            <p:ph type="dt" sz="half" idx="2"/>
-          </p:nvPr>
-        </p:nvSpPr>
-        <p:spPr/>
-        <p:txBody>
-          <a:bodyPr/>
-          <a:lstStyle/>
-          <a:p>
-            <a:r>
-              <a:rPr lang="en-CA" dirty="0"/>
-              <a:t>Winter 2022</a:t>
-            </a:r>
-          </a:p>
-        </p:txBody>
-      </p:sp>
-      <p:sp>
-        <p:nvSpPr>
           <p:cNvPr id="10" name="Footer Placeholder 9"/>
           <p:cNvSpPr>
             <a:spLocks noGrp="1"/>
@@ -21124,7 +20602,7 @@
           <p:cNvPr id="8" name="Group 7">
             <a:extLst>
               <a:ext uri="{FF2B5EF4-FFF2-40B4-BE49-F238E27FC236}">
-                <a16:creationId xmlns:a16="http://schemas.microsoft.com/office/drawing/2014/main" id="{C2833668-C8EC-4F61-8CD6-C308DBD1884D}"/>
+                <a16:creationId xmlns:a16="http://schemas.microsoft.com/office/drawing/2014/main" xmlns="" id="{C2833668-C8EC-4F61-8CD6-C308DBD1884D}"/>
               </a:ext>
             </a:extLst>
           </p:cNvPr>
@@ -21146,7 +20624,7 @@
             <p:cNvPr id="9" name="AutoShape 8">
               <a:extLst>
                 <a:ext uri="{FF2B5EF4-FFF2-40B4-BE49-F238E27FC236}">
-                  <a16:creationId xmlns:a16="http://schemas.microsoft.com/office/drawing/2014/main" id="{38FA19DA-683A-4A25-AA2A-EF902D94ED0C}"/>
+                  <a16:creationId xmlns:a16="http://schemas.microsoft.com/office/drawing/2014/main" xmlns="" id="{38FA19DA-683A-4A25-AA2A-EF902D94ED0C}"/>
                 </a:ext>
               </a:extLst>
             </p:cNvPr>
@@ -21287,7 +20765,7 @@
             <p:cNvPr id="11" name="Text Box 9">
               <a:extLst>
                 <a:ext uri="{FF2B5EF4-FFF2-40B4-BE49-F238E27FC236}">
-                  <a16:creationId xmlns:a16="http://schemas.microsoft.com/office/drawing/2014/main" id="{F20C3BEA-BEB4-4732-ABEF-3744B087DBD8}"/>
+                  <a16:creationId xmlns:a16="http://schemas.microsoft.com/office/drawing/2014/main" xmlns="" id="{F20C3BEA-BEB4-4732-ABEF-3744B087DBD8}"/>
                 </a:ext>
               </a:extLst>
             </p:cNvPr>
@@ -21310,14 +20788,14 @@
             </a:ln>
             <a:extLst>
               <a:ext uri="{909E8E84-426E-40DD-AFC4-6F175D3DCCD1}">
-                <a14:hiddenFill xmlns:a14="http://schemas.microsoft.com/office/drawing/2010/main">
+                <a14:hiddenFill xmlns:a14="http://schemas.microsoft.com/office/drawing/2010/main" xmlns="">
                   <a:solidFill>
                     <a:srgbClr val="FFFFFF"/>
                   </a:solidFill>
                 </a14:hiddenFill>
               </a:ext>
               <a:ext uri="{91240B29-F687-4F45-9708-019B960494DF}">
-                <a14:hiddenLine xmlns:a14="http://schemas.microsoft.com/office/drawing/2010/main" w="9525">
+                <a14:hiddenLine xmlns:a14="http://schemas.microsoft.com/office/drawing/2010/main" xmlns="" w="9525">
                   <a:solidFill>
                     <a:srgbClr val="000000"/>
                   </a:solidFill>
@@ -21841,7 +21319,7 @@
     </p:spTree>
     <p:extLst>
       <p:ext uri="{BB962C8B-B14F-4D97-AF65-F5344CB8AC3E}">
-        <p14:creationId xmlns:p14="http://schemas.microsoft.com/office/powerpoint/2010/main" val="227214654"/>
+        <p14:creationId xmlns:p14="http://schemas.microsoft.com/office/powerpoint/2010/main" xmlns="" val="227214654"/>
       </p:ext>
     </p:extLst>
   </p:cSld>
@@ -21894,7 +21372,7 @@
     </a:clrScheme>
     <a:fontScheme name="Office">
       <a:majorFont>
-        <a:latin typeface="Calibri Light" panose="020F0302020204030204"/>
+        <a:latin typeface="Calibri Light"/>
         <a:ea typeface=""/>
         <a:cs typeface=""/>
         <a:font script="Jpan" typeface="游ゴシック Light"/>
@@ -21946,7 +21424,7 @@
         <a:font script="Tfng" typeface="Ebrima"/>
       </a:majorFont>
       <a:minorFont>
-        <a:latin typeface="Calibri" panose="020F0502020204030204"/>
+        <a:latin typeface="Calibri"/>
         <a:ea typeface=""/>
         <a:cs typeface=""/>
         <a:font script="Jpan" typeface="游ゴシック"/>
@@ -22140,7 +21618,7 @@
   <a:extraClrSchemeLst/>
   <a:extLst>
     <a:ext uri="{05A4C25C-085E-4340-85A3-A5531E510DB2}">
-      <thm15:themeFamily xmlns:thm15="http://schemas.microsoft.com/office/thememl/2012/main" name="eye_tracker_presentation" id="{00ED1D97-A04B-46A0-BB71-88655A6B057F}" vid="{F36189FA-3966-4852-951E-5734674D1C7B}"/>
+      <thm15:themeFamily xmlns:thm15="http://schemas.microsoft.com/office/thememl/2012/main" xmlns="" name="eye_tracker_presentation" id="{00ED1D97-A04B-46A0-BB71-88655A6B057F}" vid="{F36189FA-3966-4852-951E-5734674D1C7B}"/>
     </a:ext>
   </a:extLst>
 </a:theme>
@@ -22189,7 +21667,7 @@
     </a:clrScheme>
     <a:fontScheme name="Office">
       <a:majorFont>
-        <a:latin typeface="Calibri Light" panose="020F0302020204030204"/>
+        <a:latin typeface="Calibri Light"/>
         <a:ea typeface=""/>
         <a:cs typeface=""/>
         <a:font script="Jpan" typeface="游ゴシック Light"/>
@@ -22241,7 +21719,7 @@
         <a:font script="Tfng" typeface="Ebrima"/>
       </a:majorFont>
       <a:minorFont>
-        <a:latin typeface="Calibri" panose="020F0502020204030204"/>
+        <a:latin typeface="Calibri"/>
         <a:ea typeface=""/>
         <a:cs typeface=""/>
         <a:font script="Jpan" typeface="游ゴシック"/>
@@ -22435,7 +21913,7 @@
   <a:extraClrSchemeLst/>
   <a:extLst>
     <a:ext uri="{05A4C25C-085E-4340-85A3-A5531E510DB2}">
-      <thm15:themeFamily xmlns:thm15="http://schemas.microsoft.com/office/thememl/2012/main" name="Office Theme" id="{62F939B6-93AF-4DB8-9C6B-D6C7DFDC589F}" vid="{4A3C46E8-61CC-4603-A589-7422A47A8E4A}"/>
+      <thm15:themeFamily xmlns:thm15="http://schemas.microsoft.com/office/thememl/2012/main" xmlns="" name="Office Theme" id="{62F939B6-93AF-4DB8-9C6B-D6C7DFDC589F}" vid="{4A3C46E8-61CC-4603-A589-7422A47A8E4A}"/>
     </a:ext>
   </a:extLst>
 </a:theme>
